--- a/7. Javascript/Slides/JS Grundlagen 2.pptx
+++ b/7. Javascript/Slides/JS Grundlagen 2.pptx
@@ -304,7 +304,7 @@
           <a:p>
             <a:fld id="{B6D41BCC-AD73-4203-A5A6-E62EB28B0FE6}" type="datetimeFigureOut">
               <a:rPr lang="en-US" smtClean="0"/>
-              <a:t>11/6/2023</a:t>
+              <a:t>11/26/2024</a:t>
             </a:fld>
             <a:endParaRPr lang="en-US"/>
           </a:p>
@@ -512,7 +512,7 @@
           <a:p>
             <a:fld id="{B6D41BCC-AD73-4203-A5A6-E62EB28B0FE6}" type="datetimeFigureOut">
               <a:rPr lang="en-US" smtClean="0"/>
-              <a:t>11/6/2023</a:t>
+              <a:t>11/26/2024</a:t>
             </a:fld>
             <a:endParaRPr lang="en-US"/>
           </a:p>
@@ -720,7 +720,7 @@
           <a:p>
             <a:fld id="{B6D41BCC-AD73-4203-A5A6-E62EB28B0FE6}" type="datetimeFigureOut">
               <a:rPr lang="en-US" smtClean="0"/>
-              <a:t>11/6/2023</a:t>
+              <a:t>11/26/2024</a:t>
             </a:fld>
             <a:endParaRPr lang="en-US"/>
           </a:p>
@@ -918,7 +918,7 @@
           <a:p>
             <a:fld id="{B6D41BCC-AD73-4203-A5A6-E62EB28B0FE6}" type="datetimeFigureOut">
               <a:rPr lang="en-US" smtClean="0"/>
-              <a:t>11/6/2023</a:t>
+              <a:t>11/26/2024</a:t>
             </a:fld>
             <a:endParaRPr lang="en-US"/>
           </a:p>
@@ -1327,7 +1327,7 @@
           <a:p>
             <a:fld id="{B6D41BCC-AD73-4203-A5A6-E62EB28B0FE6}" type="datetimeFigureOut">
               <a:rPr lang="en-US" smtClean="0"/>
-              <a:t>11/6/2023</a:t>
+              <a:t>11/26/2024</a:t>
             </a:fld>
             <a:endParaRPr lang="en-US"/>
           </a:p>
@@ -1597,7 +1597,7 @@
           <a:p>
             <a:fld id="{B6D41BCC-AD73-4203-A5A6-E62EB28B0FE6}" type="datetimeFigureOut">
               <a:rPr lang="en-US" smtClean="0"/>
-              <a:t>11/6/2023</a:t>
+              <a:t>11/26/2024</a:t>
             </a:fld>
             <a:endParaRPr lang="en-US"/>
           </a:p>
@@ -2013,7 +2013,7 @@
           <a:p>
             <a:fld id="{B6D41BCC-AD73-4203-A5A6-E62EB28B0FE6}" type="datetimeFigureOut">
               <a:rPr lang="en-US" smtClean="0"/>
-              <a:t>11/6/2023</a:t>
+              <a:t>11/26/2024</a:t>
             </a:fld>
             <a:endParaRPr lang="en-US"/>
           </a:p>
@@ -2154,7 +2154,7 @@
           <a:p>
             <a:fld id="{B6D41BCC-AD73-4203-A5A6-E62EB28B0FE6}" type="datetimeFigureOut">
               <a:rPr lang="en-US" smtClean="0"/>
-              <a:t>11/6/2023</a:t>
+              <a:t>11/26/2024</a:t>
             </a:fld>
             <a:endParaRPr lang="en-US"/>
           </a:p>
@@ -2267,7 +2267,7 @@
           <a:p>
             <a:fld id="{B6D41BCC-AD73-4203-A5A6-E62EB28B0FE6}" type="datetimeFigureOut">
               <a:rPr lang="en-US" smtClean="0"/>
-              <a:t>11/6/2023</a:t>
+              <a:t>11/26/2024</a:t>
             </a:fld>
             <a:endParaRPr lang="en-US"/>
           </a:p>
@@ -2593,7 +2593,7 @@
           <a:p>
             <a:fld id="{B6D41BCC-AD73-4203-A5A6-E62EB28B0FE6}" type="datetimeFigureOut">
               <a:rPr lang="en-US" smtClean="0"/>
-              <a:t>11/6/2023</a:t>
+              <a:t>11/26/2024</a:t>
             </a:fld>
             <a:endParaRPr lang="en-US"/>
           </a:p>
@@ -2881,7 +2881,7 @@
           <a:p>
             <a:fld id="{B6D41BCC-AD73-4203-A5A6-E62EB28B0FE6}" type="datetimeFigureOut">
               <a:rPr lang="en-US" smtClean="0"/>
-              <a:t>11/6/2023</a:t>
+              <a:t>11/26/2024</a:t>
             </a:fld>
             <a:endParaRPr lang="en-US"/>
           </a:p>
@@ -3121,7 +3121,7 @@
             <a:fld id="{B6D41BCC-AD73-4203-A5A6-E62EB28B0FE6}" type="datetimeFigureOut">
               <a:rPr lang="en-US" smtClean="0"/>
               <a:pPr/>
-              <a:t>11/6/2023</a:t>
+              <a:t>11/26/2024</a:t>
             </a:fld>
             <a:endParaRPr lang="en-US"/>
           </a:p>
@@ -3595,7 +3595,7 @@
                 <a16:creationId xmlns:a16="http://schemas.microsoft.com/office/drawing/2014/main" id="{BE229233-9672-4675-99B7-6CBCEF1CD415}"/>
               </a:ext>
               <a:ext uri="{C183D7F6-B498-43B3-948B-1728B52AA6E4}">
-                <adec:decorative xmlns="" xmlns:adec="http://schemas.microsoft.com/office/drawing/2017/decorative" val="1"/>
+                <adec:decorative xmlns:adec="http://schemas.microsoft.com/office/drawing/2017/decorative" val="1"/>
               </a:ext>
             </a:extLst>
           </p:cNvPr>
@@ -3690,7 +3690,7 @@
                 <a16:creationId xmlns:a16="http://schemas.microsoft.com/office/drawing/2014/main" id="{EC5FF010-B53C-46BE-BEEF-AF926A00F67F}"/>
               </a:ext>
               <a:ext uri="{C183D7F6-B498-43B3-948B-1728B52AA6E4}">
-                <adec:decorative xmlns="" xmlns:adec="http://schemas.microsoft.com/office/drawing/2017/decorative" val="1"/>
+                <adec:decorative xmlns:adec="http://schemas.microsoft.com/office/drawing/2017/decorative" val="1"/>
               </a:ext>
             </a:extLst>
           </p:cNvPr>
@@ -3756,7 +3756,7 @@
                 <a16:creationId xmlns:a16="http://schemas.microsoft.com/office/drawing/2014/main" id="{8509AD9C-1F43-4138-A72B-8CA988EDD475}"/>
               </a:ext>
               <a:ext uri="{C183D7F6-B498-43B3-948B-1728B52AA6E4}">
-                <adec:decorative xmlns="" xmlns:adec="http://schemas.microsoft.com/office/drawing/2017/decorative" val="1"/>
+                <adec:decorative xmlns:adec="http://schemas.microsoft.com/office/drawing/2017/decorative" val="1"/>
               </a:ext>
             </a:extLst>
           </p:cNvPr>
@@ -3843,10 +3843,9 @@
           <a:lstStyle/>
           <a:p>
             <a:r>
-              <a:rPr lang="de-AT" sz="2800" dirty="0" smtClean="0"/>
+              <a:rPr lang="de-AT" sz="2800" dirty="0"/>
               <a:t>JavaScript Grundlagen 2</a:t>
             </a:r>
-            <a:endParaRPr lang="de-AT" sz="2800" dirty="0"/>
           </a:p>
         </p:txBody>
       </p:sp>
@@ -3901,13 +3900,6 @@
   <p:clrMapOvr>
     <a:masterClrMapping/>
   </p:clrMapOvr>
-  <p:timing>
-    <p:tnLst>
-      <p:par>
-        <p:cTn id="1" dur="indefinite" restart="never" nodeType="tmRoot"/>
-      </p:par>
-    </p:tnLst>
-  </p:timing>
 </p:sld>
 </file>
 
@@ -3944,16 +3936,12 @@
           <a:lstStyle/>
           <a:p>
             <a:r>
-              <a:rPr lang="en-US" dirty="0" err="1" smtClean="0"/>
+              <a:rPr lang="en-US" dirty="0" err="1"/>
               <a:t>Verzweigungen</a:t>
             </a:r>
             <a:r>
-              <a:rPr lang="en-US" dirty="0" smtClean="0"/>
-              <a:t> </a:t>
-            </a:r>
-            <a:r>
               <a:rPr lang="en-US" dirty="0"/>
-              <a:t>- else</a:t>
+              <a:t> - else</a:t>
             </a:r>
           </a:p>
         </p:txBody>
@@ -3979,12 +3967,8 @@
           <a:lstStyle/>
           <a:p>
             <a:r>
-              <a:rPr lang="de-DE" dirty="0" smtClean="0"/>
-              <a:t>Möchte </a:t>
-            </a:r>
-            <a:r>
-              <a:rPr lang="de-DE" dirty="0"/>
-              <a:t>man auf die nicht-Erfüllung der Bedingung anders reagieren, nutzt man das Schlüsselwort </a:t>
+              <a:rPr lang="de-DE" dirty="0"/>
+              <a:t>Möchte man auf die nicht-Erfüllung der Bedingung anders reagieren, nutzt man das Schlüsselwort </a:t>
             </a:r>
             <a:r>
               <a:rPr lang="de-DE" dirty="0" err="1"/>
@@ -3994,16 +3978,11 @@
               <a:rPr lang="de-DE" dirty="0"/>
               <a:t> (sonst). </a:t>
             </a:r>
-            <a:endParaRPr lang="de-DE" dirty="0" smtClean="0"/>
-          </a:p>
-          <a:p>
-            <a:r>
-              <a:rPr lang="de-DE" dirty="0" smtClean="0"/>
-              <a:t>Es </a:t>
-            </a:r>
-            <a:r>
-              <a:rPr lang="de-DE" dirty="0"/>
-              <a:t>folgt auf den Code-Block des vorhergehenden </a:t>
+          </a:p>
+          <a:p>
+            <a:r>
+              <a:rPr lang="de-DE" dirty="0"/>
+              <a:t>Es folgt auf den Code-Block des vorhergehenden </a:t>
             </a:r>
             <a:r>
               <a:rPr lang="de-DE" dirty="0" err="1"/>
@@ -4059,13 +4038,6 @@
   <p:clrMapOvr>
     <a:masterClrMapping/>
   </p:clrMapOvr>
-  <p:timing>
-    <p:tnLst>
-      <p:par>
-        <p:cTn id="1" dur="indefinite" restart="never" nodeType="tmRoot"/>
-      </p:par>
-    </p:tnLst>
-  </p:timing>
 </p:sld>
 </file>
 
@@ -4152,16 +4124,11 @@
               <a:rPr lang="de-DE" dirty="0"/>
               <a:t> eine weitere Bedingung prüfen, wenn die vorherige nicht erfüllt wurde. </a:t>
             </a:r>
-            <a:endParaRPr lang="de-DE" dirty="0" smtClean="0"/>
-          </a:p>
-          <a:p>
-            <a:r>
-              <a:rPr lang="de-DE" dirty="0" smtClean="0"/>
-              <a:t>Auf </a:t>
-            </a:r>
-            <a:r>
-              <a:rPr lang="de-DE" dirty="0"/>
-              <a:t>das Schlüsselwort </a:t>
+          </a:p>
+          <a:p>
+            <a:r>
+              <a:rPr lang="de-DE" dirty="0"/>
+              <a:t>Auf das Schlüsselwort </a:t>
             </a:r>
             <a:r>
               <a:rPr lang="de-DE" dirty="0" err="1"/>
@@ -4179,16 +4146,11 @@
               <a:rPr lang="de-DE" dirty="0"/>
               <a:t> folgt eine Bedingung, und ein Code-Block. </a:t>
             </a:r>
-            <a:endParaRPr lang="de-DE" dirty="0" smtClean="0"/>
-          </a:p>
-          <a:p>
-            <a:r>
-              <a:rPr lang="de-DE" dirty="0" smtClean="0"/>
-              <a:t>Es </a:t>
-            </a:r>
-            <a:r>
-              <a:rPr lang="de-DE" dirty="0"/>
-              <a:t>können mehrere </a:t>
+          </a:p>
+          <a:p>
+            <a:r>
+              <a:rPr lang="de-DE" dirty="0"/>
+              <a:t>Es können mehrere </a:t>
             </a:r>
             <a:r>
               <a:rPr lang="de-DE" dirty="0" err="1"/>
@@ -4260,13 +4222,6 @@
   <p:clrMapOvr>
     <a:masterClrMapping/>
   </p:clrMapOvr>
-  <p:timing>
-    <p:tnLst>
-      <p:par>
-        <p:cTn id="1" dur="indefinite" restart="never" nodeType="tmRoot"/>
-      </p:par>
-    </p:tnLst>
-  </p:timing>
 </p:sld>
 </file>
 
@@ -4353,16 +4308,11 @@
               <a:rPr lang="de-DE" dirty="0"/>
               <a:t> an. </a:t>
             </a:r>
-            <a:endParaRPr lang="de-DE" dirty="0" smtClean="0"/>
-          </a:p>
-          <a:p>
-            <a:r>
-              <a:rPr lang="de-DE" dirty="0" smtClean="0"/>
-              <a:t>Auf </a:t>
-            </a:r>
-            <a:r>
-              <a:rPr lang="de-DE" dirty="0"/>
-              <a:t>das Wort </a:t>
+          </a:p>
+          <a:p>
+            <a:r>
+              <a:rPr lang="de-DE" dirty="0"/>
+              <a:t>Auf das Wort </a:t>
             </a:r>
             <a:r>
               <a:rPr lang="de-DE" dirty="0" err="1"/>
@@ -4372,16 +4322,11 @@
               <a:rPr lang="de-DE" dirty="0"/>
               <a:t> folgt in Klammern ( ) der Wert, der zu überprüfen ist. </a:t>
             </a:r>
-            <a:endParaRPr lang="de-DE" dirty="0" smtClean="0"/>
-          </a:p>
-          <a:p>
-            <a:r>
-              <a:rPr lang="de-DE" dirty="0" smtClean="0"/>
-              <a:t>Es </a:t>
-            </a:r>
-            <a:r>
-              <a:rPr lang="de-DE" dirty="0"/>
-              <a:t>folgt ein Block { } in dem jeweils nach dem Wort </a:t>
+          </a:p>
+          <a:p>
+            <a:r>
+              <a:rPr lang="de-DE" dirty="0"/>
+              <a:t>Es folgt ein Block { } in dem jeweils nach dem Wort </a:t>
             </a:r>
             <a:r>
               <a:rPr lang="de-DE" dirty="0" err="1"/>
@@ -4391,27 +4336,17 @@
               <a:rPr lang="de-DE" dirty="0"/>
               <a:t> der auf Gleichheit zu prüfende Wert steht. </a:t>
             </a:r>
-            <a:endParaRPr lang="de-DE" dirty="0" smtClean="0"/>
-          </a:p>
-          <a:p>
-            <a:r>
-              <a:rPr lang="de-DE" dirty="0" smtClean="0"/>
-              <a:t>Es </a:t>
-            </a:r>
-            <a:r>
-              <a:rPr lang="de-DE" dirty="0"/>
-              <a:t>folgt ein Doppelpunkt : und danach der Code für diesen Fall. </a:t>
-            </a:r>
-            <a:endParaRPr lang="de-DE" dirty="0" smtClean="0"/>
-          </a:p>
-          <a:p>
-            <a:r>
-              <a:rPr lang="de-DE" dirty="0" smtClean="0"/>
-              <a:t>Jeder </a:t>
-            </a:r>
-            <a:r>
-              <a:rPr lang="de-DE" dirty="0"/>
-              <a:t>Fall wird mit break; beendet bevor der nächste beginnt.</a:t>
+          </a:p>
+          <a:p>
+            <a:r>
+              <a:rPr lang="de-DE" dirty="0"/>
+              <a:t>Es folgt ein Doppelpunkt : und danach der Code für diesen Fall. </a:t>
+            </a:r>
+          </a:p>
+          <a:p>
+            <a:r>
+              <a:rPr lang="de-DE" dirty="0"/>
+              <a:t>Jeder Fall wird mit break; beendet bevor der nächste beginnt.</a:t>
             </a:r>
             <a:endParaRPr lang="en-US" dirty="0"/>
           </a:p>
@@ -4451,13 +4386,6 @@
   <p:clrMapOvr>
     <a:masterClrMapping/>
   </p:clrMapOvr>
-  <p:timing>
-    <p:tnLst>
-      <p:par>
-        <p:cTn id="1" dur="indefinite" restart="never" nodeType="tmRoot"/>
-      </p:par>
-    </p:tnLst>
-  </p:timing>
 </p:sld>
 </file>
 
@@ -4499,15 +4427,7 @@
             </a:r>
             <a:r>
               <a:rPr lang="en-US" dirty="0"/>
-              <a:t> - </a:t>
-            </a:r>
-            <a:r>
-              <a:rPr lang="en-US" dirty="0" smtClean="0"/>
-              <a:t>default </a:t>
-            </a:r>
-            <a:r>
-              <a:rPr lang="en-US" dirty="0"/>
-              <a:t>case</a:t>
+              <a:t> - default case</a:t>
             </a:r>
           </a:p>
         </p:txBody>
@@ -4566,48 +4486,19 @@
             </a:r>
             <a:r>
               <a:rPr lang="de-DE" dirty="0"/>
-              <a:t>" </a:t>
-            </a:r>
-            <a:r>
-              <a:rPr lang="de-DE" dirty="0" smtClean="0"/>
-              <a:t>Teil </a:t>
-            </a:r>
-          </a:p>
-          <a:p>
-            <a:r>
-              <a:rPr lang="de-DE" dirty="0" smtClean="0"/>
-              <a:t>ein </a:t>
-            </a:r>
-            <a:r>
-              <a:rPr lang="de-DE" dirty="0"/>
-              <a:t>Teil der </a:t>
-            </a:r>
-            <a:r>
-              <a:rPr lang="de-DE" dirty="0" smtClean="0"/>
-              <a:t>ausgeführt </a:t>
-            </a:r>
-            <a:r>
-              <a:rPr lang="de-DE" dirty="0"/>
-              <a:t>wird, wenn keine der </a:t>
-            </a:r>
-            <a:r>
-              <a:rPr lang="de-DE" dirty="0" smtClean="0"/>
-              <a:t>anderen </a:t>
-            </a:r>
-            <a:r>
-              <a:rPr lang="de-DE" dirty="0"/>
-              <a:t>Bedingungen zutrifft. </a:t>
-            </a:r>
-            <a:endParaRPr lang="de-DE" dirty="0" smtClean="0"/>
-          </a:p>
-          <a:p>
-            <a:r>
-              <a:rPr lang="de-DE" dirty="0" smtClean="0"/>
-              <a:t>Dieser </a:t>
-            </a:r>
-            <a:r>
-              <a:rPr lang="de-DE" dirty="0"/>
-              <a:t>wird mit dem Schlüsselwort </a:t>
+              <a:t>" Teil </a:t>
+            </a:r>
+          </a:p>
+          <a:p>
+            <a:r>
+              <a:rPr lang="de-DE" dirty="0"/>
+              <a:t>ein Teil der ausgeführt wird, wenn keine der anderen Bedingungen zutrifft. </a:t>
+            </a:r>
+          </a:p>
+          <a:p>
+            <a:r>
+              <a:rPr lang="de-DE" dirty="0"/>
+              <a:t>Dieser wird mit dem Schlüsselwort </a:t>
             </a:r>
             <a:r>
               <a:rPr lang="de-DE" b="1" dirty="0" err="1"/>
@@ -4617,24 +4508,11 @@
               <a:rPr lang="de-DE" dirty="0"/>
               <a:t> bezeichnet. </a:t>
             </a:r>
-            <a:endParaRPr lang="de-DE" dirty="0" smtClean="0"/>
-          </a:p>
-          <a:p>
-            <a:r>
-              <a:rPr lang="de-DE" dirty="0" smtClean="0"/>
-              <a:t>Er </a:t>
-            </a:r>
-            <a:r>
-              <a:rPr lang="de-DE" dirty="0"/>
-              <a:t>steht immer als </a:t>
-            </a:r>
-            <a:r>
-              <a:rPr lang="de-DE" dirty="0" smtClean="0"/>
-              <a:t>letzter </a:t>
-            </a:r>
-            <a:r>
-              <a:rPr lang="de-DE" dirty="0"/>
-              <a:t>Fall im </a:t>
+          </a:p>
+          <a:p>
+            <a:r>
+              <a:rPr lang="de-DE" dirty="0"/>
+              <a:t>Er steht immer als letzter Fall im </a:t>
             </a:r>
             <a:r>
               <a:rPr lang="de-DE" dirty="0" err="1"/>
@@ -4682,13 +4560,6 @@
   <p:clrMapOvr>
     <a:masterClrMapping/>
   </p:clrMapOvr>
-  <p:timing>
-    <p:tnLst>
-      <p:par>
-        <p:cTn id="1" dur="indefinite" restart="never" nodeType="tmRoot"/>
-      </p:par>
-    </p:tnLst>
-  </p:timing>
 </p:sld>
 </file>
 
@@ -4757,34 +4628,13 @@
           <a:p>
             <a:r>
               <a:rPr lang="de-DE" dirty="0"/>
-              <a:t>Vergisst man das </a:t>
-            </a:r>
-            <a:r>
-              <a:rPr lang="de-DE" dirty="0" smtClean="0"/>
-              <a:t>„break;“ </a:t>
-            </a:r>
-            <a:r>
-              <a:rPr lang="de-DE" dirty="0"/>
-              <a:t>am </a:t>
-            </a:r>
-            <a:r>
-              <a:rPr lang="de-DE" dirty="0" smtClean="0"/>
-              <a:t>Ende </a:t>
-            </a:r>
-            <a:r>
-              <a:rPr lang="de-DE" dirty="0"/>
-              <a:t>eines Falls, so wird auch der Code des nächsten Falls ausgeführt, auch wenn dessen Bedingung nicht erfüllt wird. </a:t>
-            </a:r>
-            <a:endParaRPr lang="de-DE" dirty="0" smtClean="0"/>
-          </a:p>
-          <a:p>
-            <a:r>
-              <a:rPr lang="de-DE" dirty="0" smtClean="0"/>
-              <a:t>Man </a:t>
-            </a:r>
-            <a:r>
-              <a:rPr lang="de-DE" dirty="0"/>
-              <a:t>spricht dann von fall-</a:t>
+              <a:t>Vergisst man das „break;“ am Ende eines Falls, so wird auch der Code des nächsten Falls ausgeführt, auch wenn dessen Bedingung nicht erfüllt wird. </a:t>
+            </a:r>
+          </a:p>
+          <a:p>
+            <a:r>
+              <a:rPr lang="de-DE" dirty="0"/>
+              <a:t>Man spricht dann von fall-</a:t>
             </a:r>
             <a:r>
               <a:rPr lang="de-DE" dirty="0" err="1"/>
@@ -4794,16 +4644,11 @@
               <a:rPr lang="de-DE" dirty="0"/>
               <a:t>. </a:t>
             </a:r>
-            <a:endParaRPr lang="de-DE" dirty="0" smtClean="0"/>
-          </a:p>
-          <a:p>
-            <a:r>
-              <a:rPr lang="de-DE" dirty="0" smtClean="0"/>
-              <a:t>Man </a:t>
-            </a:r>
-            <a:r>
-              <a:rPr lang="de-DE" dirty="0"/>
-              <a:t>kann es aber auch gewollt einsetzen, um mehrere Fälle gleich zu behandeln, wobei man dann für gewöhnlich die </a:t>
+          </a:p>
+          <a:p>
+            <a:r>
+              <a:rPr lang="de-DE" dirty="0"/>
+              <a:t>Man kann es aber auch gewollt einsetzen, um mehrere Fälle gleich zu behandeln, wobei man dann für gewöhnlich die </a:t>
             </a:r>
             <a:r>
               <a:rPr lang="de-DE" dirty="0" err="1"/>
@@ -5150,82 +4995,36 @@
           <a:p>
             <a:r>
               <a:rPr lang="de-DE" sz="1700" dirty="0"/>
-              <a:t>Möchte man einer Variable abhängig von einer Bedingung den einen oder anderen Wert zuweisen, so kann man dies mit einem Ternären </a:t>
-            </a:r>
-            <a:r>
-              <a:rPr lang="de-DE" sz="1700" dirty="0" smtClean="0"/>
-              <a:t>Ausdruck </a:t>
-            </a:r>
+              <a:t>Möchte man einer Variable abhängig von einer Bedingung den einen oder anderen Wert zuweisen, so kann man dies mit einem Ternären Ausdruck machen. </a:t>
+            </a:r>
+          </a:p>
+          <a:p>
             <a:r>
               <a:rPr lang="de-DE" sz="1700" dirty="0"/>
-              <a:t>machen. </a:t>
-            </a:r>
-            <a:endParaRPr lang="de-DE" sz="1700" dirty="0" smtClean="0"/>
-          </a:p>
-          <a:p>
-            <a:r>
-              <a:rPr lang="de-DE" sz="1700" dirty="0" smtClean="0"/>
-              <a:t>Dazu </a:t>
-            </a:r>
+              <a:t>Dazu schreibt man auf der rechten Seite einer Zuweisung eine Bedingung </a:t>
+            </a:r>
+          </a:p>
+          <a:p>
             <a:r>
               <a:rPr lang="de-DE" sz="1700" dirty="0"/>
-              <a:t>schreibt man auf der </a:t>
-            </a:r>
-            <a:r>
-              <a:rPr lang="de-DE" sz="1700" dirty="0" smtClean="0"/>
-              <a:t>rechten </a:t>
-            </a:r>
+              <a:t>gefolgt von einem ?</a:t>
+            </a:r>
+          </a:p>
+          <a:p>
             <a:r>
               <a:rPr lang="de-DE" sz="1700" dirty="0"/>
-              <a:t>Seite einer Zuweisung eine </a:t>
-            </a:r>
-            <a:r>
-              <a:rPr lang="de-DE" sz="1700" dirty="0" smtClean="0"/>
-              <a:t>Bedingung </a:t>
-            </a:r>
-          </a:p>
-          <a:p>
-            <a:r>
-              <a:rPr lang="de-DE" sz="1700" dirty="0" smtClean="0"/>
-              <a:t>gefolgt </a:t>
-            </a:r>
+              <a:t>gefolgt von dem Wert wenn die Bedingung zutrifft </a:t>
+            </a:r>
+          </a:p>
+          <a:p>
             <a:r>
               <a:rPr lang="de-DE" sz="1700" dirty="0"/>
-              <a:t>von einem </a:t>
-            </a:r>
-            <a:r>
-              <a:rPr lang="de-DE" sz="1700" dirty="0" smtClean="0"/>
-              <a:t>?</a:t>
-            </a:r>
-          </a:p>
-          <a:p>
-            <a:r>
-              <a:rPr lang="de-DE" sz="1700" dirty="0" smtClean="0"/>
-              <a:t>gefolgt </a:t>
-            </a:r>
+              <a:t>gefolgt von einem : </a:t>
+            </a:r>
+          </a:p>
+          <a:p>
             <a:r>
               <a:rPr lang="de-DE" sz="1700" dirty="0"/>
-              <a:t>von dem Wert wenn die Bedingung </a:t>
-            </a:r>
-            <a:r>
-              <a:rPr lang="de-DE" sz="1700" dirty="0" smtClean="0"/>
-              <a:t>zutrifft </a:t>
-            </a:r>
-          </a:p>
-          <a:p>
-            <a:r>
-              <a:rPr lang="de-DE" sz="1700" dirty="0" smtClean="0"/>
-              <a:t>gefolgt </a:t>
-            </a:r>
-            <a:r>
-              <a:rPr lang="de-DE" sz="1700" dirty="0"/>
-              <a:t>von einem : </a:t>
-            </a:r>
-            <a:endParaRPr lang="de-DE" sz="1700" dirty="0" smtClean="0"/>
-          </a:p>
-          <a:p>
-            <a:r>
-              <a:rPr lang="de-DE" sz="1700" dirty="0" smtClean="0"/>
               <a:t>gefolgt von dem Wert wenn die Bedingung nicht zutrifft</a:t>
             </a:r>
             <a:endParaRPr lang="en-US" sz="1700" dirty="0"/>
@@ -5266,13 +5065,6 @@
   <p:clrMapOvr>
     <a:masterClrMapping/>
   </p:clrMapOvr>
-  <p:timing>
-    <p:tnLst>
-      <p:par>
-        <p:cTn id="1" dur="indefinite" restart="never" nodeType="tmRoot"/>
-      </p:par>
-    </p:tnLst>
-  </p:timing>
 </p:sld>
 </file>
 
@@ -5309,7 +5101,7 @@
           <a:lstStyle/>
           <a:p>
             <a:r>
-              <a:rPr lang="de-AT" dirty="0" smtClean="0"/>
+              <a:rPr lang="de-AT" dirty="0"/>
               <a:t>Vergleichsoperatoren</a:t>
             </a:r>
             <a:endParaRPr lang="en-US" dirty="0"/>
@@ -5338,70 +5130,37 @@
           <a:p>
             <a:r>
               <a:rPr lang="de-DE" dirty="0"/>
-              <a:t>Werte können in JavaScript mit bestimmten Operatoren verglichen </a:t>
-            </a:r>
-            <a:r>
-              <a:rPr lang="de-DE" dirty="0" smtClean="0"/>
-              <a:t>werden </a:t>
-            </a:r>
-            <a:r>
-              <a:rPr lang="de-DE" dirty="0"/>
-              <a:t>Für Gleichheit (XNOR) nutzt man === </a:t>
-            </a:r>
-            <a:endParaRPr lang="de-DE" dirty="0" smtClean="0"/>
-          </a:p>
-          <a:p>
-            <a:r>
-              <a:rPr lang="de-DE" dirty="0" smtClean="0"/>
-              <a:t>Für </a:t>
-            </a:r>
-            <a:r>
-              <a:rPr lang="de-DE" dirty="0"/>
-              <a:t>Ungleichheit (XOR) nutzt man !== </a:t>
-            </a:r>
-            <a:endParaRPr lang="de-DE" dirty="0" smtClean="0"/>
-          </a:p>
-          <a:p>
-            <a:r>
-              <a:rPr lang="de-DE" dirty="0" smtClean="0"/>
-              <a:t>Für </a:t>
-            </a:r>
-            <a:r>
-              <a:rPr lang="de-DE" dirty="0"/>
-              <a:t>den und (AND) Vergleich nutzt man &amp;&amp; </a:t>
-            </a:r>
-            <a:endParaRPr lang="de-DE" dirty="0" smtClean="0"/>
-          </a:p>
-          <a:p>
-            <a:r>
-              <a:rPr lang="de-DE" dirty="0" smtClean="0"/>
-              <a:t>Für </a:t>
-            </a:r>
-            <a:r>
-              <a:rPr lang="de-DE" dirty="0"/>
-              <a:t>den oder (OR) Vergleich nutzt man || </a:t>
-            </a:r>
-            <a:endParaRPr lang="de-DE" dirty="0" smtClean="0"/>
-          </a:p>
-          <a:p>
-            <a:r>
-              <a:rPr lang="de-DE" dirty="0" smtClean="0"/>
-              <a:t>Für </a:t>
-            </a:r>
-            <a:r>
-              <a:rPr lang="de-DE" dirty="0"/>
-              <a:t>das Verneinen (NOT) nutzt man ein vorangestelltes ! </a:t>
-            </a:r>
-            <a:endParaRPr lang="de-DE" dirty="0" smtClean="0"/>
-          </a:p>
-          <a:p>
-            <a:r>
-              <a:rPr lang="de-DE" dirty="0" smtClean="0"/>
-              <a:t>Bei </a:t>
-            </a:r>
-            <a:r>
-              <a:rPr lang="de-DE" dirty="0"/>
-              <a:t>Zahlen kann man Größer/-gleich (&gt; / &gt;=) und Kleiner/-gleich (&lt; / &lt;=) prüfen.</a:t>
+              <a:t>Werte können in JavaScript mit bestimmten Operatoren verglichen werden Für Gleichheit (XNOR) nutzt man === </a:t>
+            </a:r>
+          </a:p>
+          <a:p>
+            <a:r>
+              <a:rPr lang="de-DE" dirty="0"/>
+              <a:t>Für Ungleichheit (XOR) nutzt man !== </a:t>
+            </a:r>
+          </a:p>
+          <a:p>
+            <a:r>
+              <a:rPr lang="de-DE" dirty="0"/>
+              <a:t>Für den und (AND) Vergleich nutzt man &amp;&amp; </a:t>
+            </a:r>
+          </a:p>
+          <a:p>
+            <a:r>
+              <a:rPr lang="de-DE" dirty="0"/>
+              <a:t>Für den oder (OR) Vergleich nutzt man || </a:t>
+            </a:r>
+          </a:p>
+          <a:p>
+            <a:r>
+              <a:rPr lang="de-DE" dirty="0"/>
+              <a:t>Für das Verneinen (NOT) nutzt man ein vorangestelltes ! </a:t>
+            </a:r>
+          </a:p>
+          <a:p>
+            <a:r>
+              <a:rPr lang="de-DE" dirty="0"/>
+              <a:t>Bei Zahlen kann man Größer/-gleich (&gt; / &gt;=) und Kleiner/-gleich (&lt; / &lt;=) prüfen.</a:t>
             </a:r>
             <a:endParaRPr lang="en-US" dirty="0"/>
           </a:p>
@@ -5876,7 +5635,7 @@
           <a:lstStyle/>
           <a:p>
             <a:r>
-              <a:rPr lang="de-AT" dirty="0" smtClean="0"/>
+              <a:rPr lang="de-AT" dirty="0"/>
               <a:t>Typensicherheit beim Vergleich</a:t>
             </a:r>
             <a:endParaRPr lang="en-US" dirty="0"/>
@@ -5915,65 +5674,48 @@
               <a:rPr lang="de-DE" dirty="0"/>
               <a:t>-)Gleichheit die === bzw. !== Zeichen verwendet. </a:t>
             </a:r>
-            <a:endParaRPr lang="de-DE" dirty="0" smtClean="0"/>
-          </a:p>
-          <a:p>
-            <a:r>
-              <a:rPr lang="de-DE" dirty="0" smtClean="0"/>
-              <a:t>Es </a:t>
-            </a:r>
-            <a:r>
-              <a:rPr lang="de-DE" dirty="0"/>
-              <a:t>gibt diese Operatoren aber auch ohne das letzte = Zeichen, als == bzw. </a:t>
-            </a:r>
-            <a:r>
-              <a:rPr lang="de-DE" dirty="0" smtClean="0"/>
-              <a:t>!=</a:t>
-            </a:r>
-          </a:p>
-          <a:p>
-            <a:r>
-              <a:rPr lang="de-DE" dirty="0" smtClean="0"/>
-              <a:t>Bei der Nutzung von == bzw. != wird nicht sichergestellt, </a:t>
-            </a:r>
-            <a:r>
-              <a:rPr lang="de-DE" dirty="0"/>
-              <a:t>dass beide Variablen auch den selben Typen </a:t>
-            </a:r>
-            <a:r>
-              <a:rPr lang="de-DE" dirty="0" smtClean="0"/>
-              <a:t>haben</a:t>
-            </a:r>
-          </a:p>
-          <a:p>
-            <a:r>
-              <a:rPr lang="de-DE" dirty="0" smtClean="0"/>
+          </a:p>
+          <a:p>
+            <a:r>
+              <a:rPr lang="de-DE" dirty="0"/>
+              <a:t>Es gibt diese Operatoren aber auch ohne das letzte = Zeichen, als == bzw. !=</a:t>
+            </a:r>
+          </a:p>
+          <a:p>
+            <a:r>
+              <a:rPr lang="de-DE" dirty="0"/>
+              <a:t>Bei der Nutzung von == bzw. != wird nicht sichergestellt, dass beide Variablen auch den selben Typen haben</a:t>
+            </a:r>
+          </a:p>
+          <a:p>
+            <a:r>
+              <a:rPr lang="de-DE" dirty="0"/>
               <a:t>Mit Hilfe der Funktion </a:t>
             </a:r>
             <a:r>
-              <a:rPr lang="de-DE" b="1" dirty="0" err="1" smtClean="0"/>
+              <a:rPr lang="de-DE" b="1" dirty="0" err="1"/>
               <a:t>typeof</a:t>
             </a:r>
             <a:r>
-              <a:rPr lang="de-DE" b="1" dirty="0" smtClean="0"/>
+              <a:rPr lang="de-DE" b="1" dirty="0"/>
               <a:t> </a:t>
             </a:r>
             <a:r>
-              <a:rPr lang="de-DE" dirty="0" smtClean="0"/>
+              <a:rPr lang="de-DE" dirty="0"/>
               <a:t>kann der Datentyp einer Variable bestimmt werden</a:t>
             </a:r>
           </a:p>
           <a:p>
             <a:r>
-              <a:rPr lang="de-DE" dirty="0" smtClean="0"/>
+              <a:rPr lang="de-DE" dirty="0"/>
               <a:t>Ressourcen: 7. </a:t>
             </a:r>
             <a:r>
-              <a:rPr lang="de-DE" dirty="0" err="1" smtClean="0"/>
+              <a:rPr lang="de-DE" dirty="0" err="1"/>
               <a:t>Javascript</a:t>
             </a:r>
             <a:r>
-              <a:rPr lang="de-DE" dirty="0" smtClean="0"/>
+              <a:rPr lang="de-DE" dirty="0"/>
               <a:t>/datatypes.js</a:t>
             </a:r>
             <a:endParaRPr lang="en-US" b="1" dirty="0"/>
@@ -6406,13 +6148,6 @@
   <p:clrMapOvr>
     <a:masterClrMapping/>
   </p:clrMapOvr>
-  <p:timing>
-    <p:tnLst>
-      <p:par>
-        <p:cTn id="1" dur="indefinite" restart="never" nodeType="tmRoot"/>
-      </p:par>
-    </p:tnLst>
-  </p:timing>
 </p:sld>
 </file>
 
@@ -6449,15 +6184,15 @@
           <a:lstStyle/>
           <a:p>
             <a:r>
-              <a:rPr lang="de-AT" dirty="0" err="1" smtClean="0"/>
+              <a:rPr lang="de-AT" dirty="0" err="1"/>
               <a:t>Nesting</a:t>
             </a:r>
             <a:r>
-              <a:rPr lang="de-AT" dirty="0" smtClean="0"/>
+              <a:rPr lang="de-AT" dirty="0"/>
               <a:t> </a:t>
             </a:r>
             <a:r>
-              <a:rPr lang="de-AT" dirty="0" err="1" smtClean="0"/>
+              <a:rPr lang="de-AT" dirty="0" err="1"/>
               <a:t>Depth</a:t>
             </a:r>
             <a:endParaRPr lang="en-US" dirty="0"/>
@@ -6485,29 +6220,29 @@
           <a:lstStyle/>
           <a:p>
             <a:r>
-              <a:rPr lang="de-AT" dirty="0" smtClean="0"/>
+              <a:rPr lang="de-AT" dirty="0"/>
               <a:t>Vermeide eine Verschachtelung von mehr als 3 Ebenen</a:t>
             </a:r>
           </a:p>
           <a:p>
             <a:r>
-              <a:rPr lang="de-AT" dirty="0" smtClean="0"/>
+              <a:rPr lang="de-AT" dirty="0"/>
               <a:t>Code mit mehr als 3 Ebenen wird unverständlich und unleserlich</a:t>
             </a:r>
           </a:p>
           <a:p>
             <a:r>
-              <a:rPr lang="de-AT" dirty="0" smtClean="0"/>
+              <a:rPr lang="de-AT" dirty="0"/>
               <a:t>Erschwert es Fehler zu finden</a:t>
             </a:r>
           </a:p>
           <a:p>
             <a:r>
-              <a:rPr lang="de-AT" dirty="0" smtClean="0"/>
+              <a:rPr lang="de-AT" dirty="0"/>
               <a:t>Code ist nur mehr schwer </a:t>
             </a:r>
             <a:r>
-              <a:rPr lang="de-AT" dirty="0" err="1" smtClean="0"/>
+              <a:rPr lang="de-AT" dirty="0" err="1"/>
               <a:t>wartbar</a:t>
             </a:r>
             <a:endParaRPr lang="en-US" dirty="0"/>
@@ -6548,13 +6283,6 @@
   <p:clrMapOvr>
     <a:masterClrMapping/>
   </p:clrMapOvr>
-  <p:timing>
-    <p:tnLst>
-      <p:par>
-        <p:cTn id="1" dur="indefinite" restart="never" nodeType="tmRoot"/>
-      </p:par>
-    </p:tnLst>
-  </p:timing>
 </p:sld>
 </file>
 
@@ -6637,97 +6365,97 @@
           <a:lstStyle/>
           <a:p>
             <a:r>
-              <a:rPr lang="de-AT" dirty="0" smtClean="0"/>
+              <a:rPr lang="de-AT" dirty="0"/>
               <a:t>Kommentare</a:t>
             </a:r>
           </a:p>
           <a:p>
             <a:r>
-              <a:rPr lang="de-AT" dirty="0" smtClean="0"/>
+              <a:rPr lang="de-AT" dirty="0"/>
               <a:t>Verzweigungen</a:t>
             </a:r>
           </a:p>
           <a:p>
             <a:pPr lvl="1"/>
             <a:r>
-              <a:rPr lang="de-AT" dirty="0" err="1" smtClean="0"/>
+              <a:rPr lang="de-AT" dirty="0" err="1"/>
               <a:t>If</a:t>
             </a:r>
             <a:r>
-              <a:rPr lang="de-AT" dirty="0" smtClean="0"/>
+              <a:rPr lang="de-AT" dirty="0"/>
               <a:t> / </a:t>
             </a:r>
             <a:r>
-              <a:rPr lang="de-AT" dirty="0" err="1" smtClean="0"/>
+              <a:rPr lang="de-AT" dirty="0" err="1"/>
               <a:t>else</a:t>
             </a:r>
-            <a:endParaRPr lang="de-AT" dirty="0" smtClean="0"/>
+            <a:endParaRPr lang="de-AT" dirty="0"/>
           </a:p>
           <a:p>
             <a:pPr lvl="1"/>
             <a:r>
-              <a:rPr lang="de-AT" dirty="0" smtClean="0"/>
+              <a:rPr lang="de-AT" dirty="0"/>
               <a:t>Switch </a:t>
             </a:r>
             <a:r>
-              <a:rPr lang="de-AT" dirty="0" err="1" smtClean="0"/>
+              <a:rPr lang="de-AT" dirty="0" err="1"/>
               <a:t>case</a:t>
             </a:r>
-            <a:endParaRPr lang="de-AT" dirty="0" smtClean="0"/>
+            <a:endParaRPr lang="de-AT" dirty="0"/>
           </a:p>
           <a:p>
             <a:pPr lvl="1"/>
             <a:r>
-              <a:rPr lang="de-AT" dirty="0" smtClean="0"/>
+              <a:rPr lang="de-AT" dirty="0"/>
               <a:t>Ternäre Ausdrücke</a:t>
             </a:r>
             <a:br>
-              <a:rPr lang="de-AT" dirty="0" smtClean="0"/>
+              <a:rPr lang="de-AT" dirty="0"/>
             </a:br>
-            <a:endParaRPr lang="de-AT" dirty="0" smtClean="0"/>
-          </a:p>
-          <a:p>
-            <a:r>
-              <a:rPr lang="de-AT" dirty="0" smtClean="0"/>
+            <a:endParaRPr lang="de-AT" dirty="0"/>
+          </a:p>
+          <a:p>
+            <a:r>
+              <a:rPr lang="de-AT" dirty="0"/>
               <a:t>Funktionen</a:t>
             </a:r>
           </a:p>
           <a:p>
             <a:pPr lvl="1"/>
             <a:r>
-              <a:rPr lang="de-AT" dirty="0" smtClean="0"/>
+              <a:rPr lang="de-AT" dirty="0"/>
               <a:t>Einfache Funktionen</a:t>
             </a:r>
           </a:p>
           <a:p>
             <a:pPr lvl="1"/>
             <a:r>
-              <a:rPr lang="de-AT" dirty="0" smtClean="0"/>
+              <a:rPr lang="de-AT" dirty="0"/>
               <a:t>Parameter</a:t>
             </a:r>
           </a:p>
           <a:p>
             <a:pPr lvl="1"/>
             <a:r>
-              <a:rPr lang="de-AT" dirty="0" smtClean="0"/>
+              <a:rPr lang="de-AT" dirty="0"/>
               <a:t>Rückgabewerte</a:t>
             </a:r>
           </a:p>
           <a:p>
             <a:pPr lvl="1"/>
             <a:r>
-              <a:rPr lang="de-AT" dirty="0" smtClean="0"/>
+              <a:rPr lang="de-AT" dirty="0"/>
               <a:t>Anonyme Funktionen</a:t>
             </a:r>
           </a:p>
           <a:p>
             <a:pPr lvl="1"/>
             <a:r>
-              <a:rPr lang="de-AT" dirty="0" smtClean="0"/>
+              <a:rPr lang="de-AT" dirty="0"/>
               <a:t>Arrow </a:t>
             </a:r>
             <a:r>
-              <a:rPr lang="de-AT" dirty="0" err="1" smtClean="0"/>
+              <a:rPr lang="de-AT" dirty="0" err="1"/>
               <a:t>Functions</a:t>
             </a:r>
             <a:endParaRPr lang="de-AT" dirty="0"/>
@@ -6804,13 +6532,6 @@
   <p:clrMapOvr>
     <a:masterClrMapping/>
   </p:clrMapOvr>
-  <p:timing>
-    <p:tnLst>
-      <p:par>
-        <p:cTn id="1" dur="indefinite" restart="never" nodeType="tmRoot"/>
-      </p:par>
-    </p:tnLst>
-  </p:timing>
 </p:sld>
 </file>
 
@@ -6847,7 +6568,7 @@
           <a:lstStyle/>
           <a:p>
             <a:r>
-              <a:rPr lang="de-AT" dirty="0" smtClean="0"/>
+              <a:rPr lang="de-AT" dirty="0"/>
               <a:t>4 Übungen zu Verzweigungen</a:t>
             </a:r>
             <a:endParaRPr lang="en-US" dirty="0"/>
@@ -6876,12 +6597,8 @@
               <a:buAutoNum type="arabicPeriod"/>
             </a:pPr>
             <a:r>
-              <a:rPr lang="de-DE" dirty="0" smtClean="0"/>
-              <a:t>Lies </a:t>
-            </a:r>
-            <a:r>
-              <a:rPr lang="de-DE" dirty="0"/>
-              <a:t>vom Nutzer eine Temperatur ein, nutze ein </a:t>
+              <a:rPr lang="de-DE" dirty="0"/>
+              <a:t>Lies vom Nutzer eine Temperatur ein, nutze ein </a:t>
             </a:r>
             <a:r>
               <a:rPr lang="de-DE" dirty="0" err="1"/>
@@ -6907,7 +6624,6 @@
               <a:rPr lang="de-DE" dirty="0"/>
               <a:t> um auszugeben, ob es kalt, angenehm oder heiß ist.  </a:t>
             </a:r>
-            <a:endParaRPr lang="de-DE" dirty="0" smtClean="0"/>
           </a:p>
           <a:p>
             <a:pPr marL="342900" indent="-342900">
@@ -6915,39 +6631,39 @@
               <a:buAutoNum type="arabicPeriod"/>
             </a:pPr>
             <a:r>
-              <a:rPr lang="de-DE" dirty="0" smtClean="0"/>
+              <a:rPr lang="de-DE" dirty="0"/>
               <a:t>Lies einen einzelnen Buchstaben ein und gib aus, ob es ein Vokal oder Konsonant ist. Nutze dafür ein </a:t>
             </a:r>
             <a:r>
-              <a:rPr lang="de-DE" dirty="0" err="1" smtClean="0"/>
+              <a:rPr lang="de-DE" dirty="0" err="1"/>
               <a:t>switch-case</a:t>
             </a:r>
             <a:r>
-              <a:rPr lang="de-DE" dirty="0" smtClean="0"/>
+              <a:rPr lang="de-DE" dirty="0"/>
               <a:t> mit </a:t>
             </a:r>
             <a:r>
-              <a:rPr lang="de-DE" dirty="0" err="1" smtClean="0"/>
+              <a:rPr lang="de-DE" dirty="0" err="1"/>
               <a:t>default</a:t>
             </a:r>
             <a:r>
-              <a:rPr lang="de-DE" dirty="0" smtClean="0"/>
+              <a:rPr lang="de-DE" dirty="0"/>
               <a:t> </a:t>
             </a:r>
             <a:r>
-              <a:rPr lang="de-DE" dirty="0" err="1" smtClean="0"/>
+              <a:rPr lang="de-DE" dirty="0" err="1"/>
               <a:t>case</a:t>
             </a:r>
             <a:r>
-              <a:rPr lang="de-DE" dirty="0" smtClean="0"/>
+              <a:rPr lang="de-DE" dirty="0"/>
               <a:t> und fall-</a:t>
             </a:r>
             <a:r>
-              <a:rPr lang="de-DE" dirty="0" err="1" smtClean="0"/>
+              <a:rPr lang="de-DE" dirty="0" err="1"/>
               <a:t>through</a:t>
             </a:r>
             <a:r>
-              <a:rPr lang="de-DE" dirty="0" smtClean="0"/>
+              <a:rPr lang="de-DE" dirty="0"/>
               <a:t>. </a:t>
             </a:r>
           </a:p>
@@ -6957,14 +6673,9 @@
               <a:buAutoNum type="arabicPeriod"/>
             </a:pPr>
             <a:r>
-              <a:rPr lang="de-DE" dirty="0" smtClean="0"/>
-              <a:t>Lese 3 </a:t>
-            </a:r>
-            <a:r>
-              <a:rPr lang="de-DE" dirty="0"/>
-              <a:t>Zahlen vom Benutzer ein, und gib die größte davon zurück. Nutze dabei Ternäre Ausdrücke. </a:t>
-            </a:r>
-            <a:endParaRPr lang="de-DE" dirty="0" smtClean="0"/>
+              <a:rPr lang="de-DE" dirty="0"/>
+              <a:t>Lese 3 Zahlen vom Benutzer ein, und gib die größte davon zurück. Nutze dabei Ternäre Ausdrücke. </a:t>
+            </a:r>
           </a:p>
           <a:p>
             <a:pPr marL="342900" indent="-342900">
@@ -6972,16 +6683,8 @@
               <a:buAutoNum type="arabicPeriod"/>
             </a:pPr>
             <a:r>
-              <a:rPr lang="de-DE" dirty="0" smtClean="0"/>
-              <a:t>Lies </a:t>
-            </a:r>
-            <a:r>
-              <a:rPr lang="de-DE" dirty="0"/>
-              <a:t>eine Zahl vom Benutzer ein, und gebe aus, ob diese gerade, ungerade oder eine Kommazahl </a:t>
-            </a:r>
-            <a:r>
-              <a:rPr lang="de-DE" dirty="0" smtClean="0"/>
-              <a:t>ist</a:t>
+              <a:rPr lang="de-DE" dirty="0"/>
+              <a:t>Lies eine Zahl vom Benutzer ein, und gebe aus, ob diese gerade, ungerade oder eine Kommazahl ist</a:t>
             </a:r>
           </a:p>
         </p:txBody>
@@ -6996,13 +6699,6 @@
   <p:clrMapOvr>
     <a:masterClrMapping/>
   </p:clrMapOvr>
-  <p:timing>
-    <p:tnLst>
-      <p:par>
-        <p:cTn id="1" dur="indefinite" restart="never" nodeType="tmRoot"/>
-      </p:par>
-    </p:tnLst>
-  </p:timing>
 </p:sld>
 </file>
 
@@ -7039,7 +6735,7 @@
                 <a16:creationId xmlns:a16="http://schemas.microsoft.com/office/drawing/2014/main" id="{BE229233-9672-4675-99B7-6CBCEF1CD415}"/>
               </a:ext>
               <a:ext uri="{C183D7F6-B498-43B3-948B-1728B52AA6E4}">
-                <adec:decorative xmlns="" xmlns:adec="http://schemas.microsoft.com/office/drawing/2017/decorative" val="1"/>
+                <adec:decorative xmlns:adec="http://schemas.microsoft.com/office/drawing/2017/decorative" val="1"/>
               </a:ext>
             </a:extLst>
           </p:cNvPr>
@@ -7134,7 +6830,7 @@
                 <a16:creationId xmlns:a16="http://schemas.microsoft.com/office/drawing/2014/main" id="{EC5FF010-B53C-46BE-BEEF-AF926A00F67F}"/>
               </a:ext>
               <a:ext uri="{C183D7F6-B498-43B3-948B-1728B52AA6E4}">
-                <adec:decorative xmlns="" xmlns:adec="http://schemas.microsoft.com/office/drawing/2017/decorative" val="1"/>
+                <adec:decorative xmlns:adec="http://schemas.microsoft.com/office/drawing/2017/decorative" val="1"/>
               </a:ext>
             </a:extLst>
           </p:cNvPr>
@@ -7200,7 +6896,7 @@
                 <a16:creationId xmlns:a16="http://schemas.microsoft.com/office/drawing/2014/main" id="{8509AD9C-1F43-4138-A72B-8CA988EDD475}"/>
               </a:ext>
               <a:ext uri="{C183D7F6-B498-43B3-948B-1728B52AA6E4}">
-                <adec:decorative xmlns="" xmlns:adec="http://schemas.microsoft.com/office/drawing/2017/decorative" val="1"/>
+                <adec:decorative xmlns:adec="http://schemas.microsoft.com/office/drawing/2017/decorative" val="1"/>
               </a:ext>
             </a:extLst>
           </p:cNvPr>
@@ -7287,10 +6983,9 @@
           <a:lstStyle/>
           <a:p>
             <a:r>
-              <a:rPr lang="de-AT" sz="3200" dirty="0" smtClean="0"/>
+              <a:rPr lang="de-AT" sz="3200" dirty="0"/>
               <a:t>Funktionen</a:t>
             </a:r>
-            <a:endParaRPr lang="de-AT" sz="3200" dirty="0"/>
           </a:p>
         </p:txBody>
       </p:sp>
@@ -7345,13 +7040,6 @@
   <p:clrMapOvr>
     <a:masterClrMapping/>
   </p:clrMapOvr>
-  <p:timing>
-    <p:tnLst>
-      <p:par>
-        <p:cTn id="1" dur="indefinite" restart="never" nodeType="tmRoot"/>
-      </p:par>
-    </p:tnLst>
-  </p:timing>
 </p:sld>
 </file>
 
@@ -7388,7 +7076,7 @@
           <a:lstStyle/>
           <a:p>
             <a:r>
-              <a:rPr lang="de-AT" dirty="0" smtClean="0"/>
+              <a:rPr lang="de-AT" dirty="0"/>
               <a:t>Grundlagen zu Funktionen</a:t>
             </a:r>
             <a:endParaRPr lang="en-US" dirty="0"/>
@@ -7417,26 +7105,13 @@
           <a:p>
             <a:r>
               <a:rPr lang="de-DE" dirty="0"/>
-              <a:t>Eine </a:t>
-            </a:r>
-            <a:r>
-              <a:rPr lang="de-DE" dirty="0" smtClean="0"/>
-              <a:t>Funktion </a:t>
-            </a:r>
-            <a:r>
-              <a:rPr lang="de-DE" dirty="0"/>
-              <a:t>ist ein wiederverwendbarer Block Code. </a:t>
-            </a:r>
-            <a:endParaRPr lang="de-DE" dirty="0" smtClean="0"/>
-          </a:p>
-          <a:p>
-            <a:r>
-              <a:rPr lang="de-DE" dirty="0" smtClean="0"/>
-              <a:t>Eine </a:t>
-            </a:r>
-            <a:r>
-              <a:rPr lang="de-DE" dirty="0"/>
-              <a:t>Funktion beginnt mit dem Wort </a:t>
+              <a:t>Eine Funktion ist ein wiederverwendbarer Block Code. </a:t>
+            </a:r>
+          </a:p>
+          <a:p>
+            <a:r>
+              <a:rPr lang="de-DE" dirty="0"/>
+              <a:t>Eine Funktion beginnt mit dem Wort </a:t>
             </a:r>
             <a:r>
               <a:rPr lang="de-DE" dirty="0" err="1"/>
@@ -7444,26 +7119,13 @@
             </a:r>
             <a:r>
               <a:rPr lang="de-DE" dirty="0"/>
-              <a:t>, gefolgt vom Funktionsnamen, Klammern ( ) (in diesen können Parameter </a:t>
-            </a:r>
-            <a:r>
-              <a:rPr lang="de-DE" dirty="0" smtClean="0"/>
-              <a:t>definiert </a:t>
-            </a:r>
-            <a:r>
-              <a:rPr lang="de-DE" dirty="0"/>
-              <a:t>werden) und dem Code-Block { }. </a:t>
-            </a:r>
-            <a:endParaRPr lang="de-DE" dirty="0" smtClean="0"/>
-          </a:p>
-          <a:p>
-            <a:r>
-              <a:rPr lang="de-DE" dirty="0" smtClean="0"/>
-              <a:t>Ein </a:t>
-            </a:r>
-            <a:r>
-              <a:rPr lang="de-DE" dirty="0"/>
-              <a:t>Wert kann mit dem Schlüsselwort </a:t>
+              <a:t>, gefolgt vom Funktionsnamen, Klammern ( ) (in diesen können Parameter definiert werden) und dem Code-Block { }. </a:t>
+            </a:r>
+          </a:p>
+          <a:p>
+            <a:r>
+              <a:rPr lang="de-DE" dirty="0"/>
+              <a:t>Ein Wert kann mit dem Schlüsselwort </a:t>
             </a:r>
             <a:r>
               <a:rPr lang="de-DE" dirty="0" err="1"/>
@@ -7471,29 +7133,13 @@
             </a:r>
             <a:r>
               <a:rPr lang="de-DE" dirty="0"/>
-              <a:t> zurückgegeben werden</a:t>
-            </a:r>
-            <a:r>
-              <a:rPr lang="de-DE" dirty="0" smtClean="0"/>
-              <a:t>.</a:t>
-            </a:r>
-          </a:p>
-          <a:p>
-            <a:r>
-              <a:rPr lang="de-DE" dirty="0" smtClean="0"/>
-              <a:t>Ein </a:t>
-            </a:r>
-            <a:r>
-              <a:rPr lang="de-DE" dirty="0"/>
-              <a:t>Aufruf erfolgt über den Funktionsnamen gefolgt von Klammern ( ), in denen Werte (die den </a:t>
-            </a:r>
-            <a:r>
-              <a:rPr lang="de-DE" dirty="0" smtClean="0"/>
-              <a:t>definierten </a:t>
-            </a:r>
-            <a:r>
-              <a:rPr lang="de-DE" dirty="0"/>
-              <a:t>Parametern zugeordnet werden) übergeben werden können.</a:t>
+              <a:t> zurückgegeben werden.</a:t>
+            </a:r>
+          </a:p>
+          <a:p>
+            <a:r>
+              <a:rPr lang="de-DE" dirty="0"/>
+              <a:t>Ein Aufruf erfolgt über den Funktionsnamen gefolgt von Klammern ( ), in denen Werte (die den definierten Parametern zugeordnet werden) übergeben werden können.</a:t>
             </a:r>
             <a:endParaRPr lang="en-US" dirty="0"/>
           </a:p>
@@ -7846,7 +7492,7 @@
           <a:lstStyle/>
           <a:p>
             <a:r>
-              <a:rPr lang="de-AT" dirty="0" smtClean="0"/>
+              <a:rPr lang="de-AT" dirty="0"/>
               <a:t>Einfache Funktionen</a:t>
             </a:r>
             <a:endParaRPr lang="en-US" dirty="0"/>
@@ -7877,16 +7523,11 @@
               <a:rPr lang="de-DE" dirty="0"/>
               <a:t>Im einfachsten Fall hat eine Funktion weder Parameter, noch einen Rückgabewert. </a:t>
             </a:r>
-            <a:endParaRPr lang="de-DE" dirty="0" smtClean="0"/>
-          </a:p>
-          <a:p>
-            <a:r>
-              <a:rPr lang="de-DE" dirty="0" smtClean="0"/>
-              <a:t>Hier </a:t>
-            </a:r>
-            <a:r>
-              <a:rPr lang="de-DE" dirty="0"/>
-              <a:t>genügt das Schlüsselwort </a:t>
+          </a:p>
+          <a:p>
+            <a:r>
+              <a:rPr lang="de-DE" dirty="0"/>
+              <a:t>Hier genügt das Schlüsselwort </a:t>
             </a:r>
             <a:r>
               <a:rPr lang="de-DE" dirty="0" err="1"/>
@@ -7902,37 +7543,19 @@
             </a:r>
             <a:r>
               <a:rPr lang="de-DE" dirty="0"/>
-              <a:t>) in geschwundenen Klammern { ... } zur </a:t>
-            </a:r>
-            <a:r>
-              <a:rPr lang="de-DE" dirty="0" smtClean="0"/>
-              <a:t>Definition</a:t>
-            </a:r>
-            <a:r>
-              <a:rPr lang="de-DE" dirty="0"/>
-              <a:t>. </a:t>
-            </a:r>
-            <a:endParaRPr lang="de-DE" dirty="0" smtClean="0"/>
-          </a:p>
-          <a:p>
-            <a:r>
-              <a:rPr lang="de-DE" dirty="0" smtClean="0"/>
-              <a:t>Beim </a:t>
-            </a:r>
-            <a:r>
-              <a:rPr lang="de-DE" dirty="0"/>
-              <a:t>Aufruf der Funktion mit dem Funktionsnamen und runden Klammern () wird der Code innerhalb der Funktion ausgeführt. </a:t>
-            </a:r>
-            <a:endParaRPr lang="de-DE" dirty="0" smtClean="0"/>
-          </a:p>
-          <a:p>
-            <a:r>
-              <a:rPr lang="de-DE" dirty="0" smtClean="0"/>
-              <a:t>Die </a:t>
-            </a:r>
-            <a:r>
-              <a:rPr lang="de-DE" dirty="0"/>
-              <a:t>Funktion kann beliebig oft ausgeführt werden..</a:t>
+              <a:t>) in geschwundenen Klammern { ... } zur Definition. </a:t>
+            </a:r>
+          </a:p>
+          <a:p>
+            <a:r>
+              <a:rPr lang="de-DE" dirty="0"/>
+              <a:t>Beim Aufruf der Funktion mit dem Funktionsnamen und runden Klammern () wird der Code innerhalb der Funktion ausgeführt. </a:t>
+            </a:r>
+          </a:p>
+          <a:p>
+            <a:r>
+              <a:rPr lang="de-DE" dirty="0"/>
+              <a:t>Die Funktion kann beliebig oft ausgeführt werden..</a:t>
             </a:r>
             <a:endParaRPr lang="en-US" dirty="0"/>
           </a:p>
@@ -8290,15 +7913,7 @@
             </a:r>
             <a:r>
               <a:rPr lang="en-US" dirty="0"/>
-              <a:t> </a:t>
-            </a:r>
-            <a:r>
-              <a:rPr lang="en-US" dirty="0" smtClean="0"/>
-              <a:t>- </a:t>
-            </a:r>
-            <a:r>
-              <a:rPr lang="en-US" dirty="0"/>
-              <a:t>Parameter</a:t>
+              <a:t> - Parameter</a:t>
             </a:r>
           </a:p>
         </p:txBody>
@@ -8325,29 +7940,13 @@
           <a:p>
             <a:r>
               <a:rPr lang="de-DE" dirty="0"/>
-              <a:t>Man kann einer Funktion auch Werte </a:t>
-            </a:r>
-            <a:r>
-              <a:rPr lang="de-DE" dirty="0" smtClean="0"/>
-              <a:t>übergeben. </a:t>
-            </a:r>
-          </a:p>
-          <a:p>
-            <a:r>
-              <a:rPr lang="de-DE" dirty="0" smtClean="0"/>
-              <a:t>Dazu </a:t>
-            </a:r>
-            <a:r>
-              <a:rPr lang="de-DE" dirty="0"/>
-              <a:t>gibt man in der </a:t>
-            </a:r>
-            <a:r>
-              <a:rPr lang="de-DE" dirty="0" smtClean="0"/>
-              <a:t>Funktionsdefinition </a:t>
-            </a:r>
-            <a:r>
-              <a:rPr lang="de-DE" dirty="0"/>
-              <a:t>innerhalb der Klammern ( ) an, welchen Variablennamen die Werte innerhalb der Funktion haben sollen (ein </a:t>
+              <a:t>Man kann einer Funktion auch Werte übergeben. </a:t>
+            </a:r>
+          </a:p>
+          <a:p>
+            <a:r>
+              <a:rPr lang="de-DE" dirty="0"/>
+              <a:t>Dazu gibt man in der Funktionsdefinition innerhalb der Klammern ( ) an, welchen Variablennamen die Werte innerhalb der Funktion haben sollen (ein </a:t>
             </a:r>
             <a:r>
               <a:rPr lang="de-DE" dirty="0" err="1"/>
@@ -8357,35 +7956,17 @@
               <a:rPr lang="de-DE" dirty="0"/>
               <a:t> ist hier nicht nötig!). </a:t>
             </a:r>
-            <a:endParaRPr lang="de-DE" dirty="0" smtClean="0"/>
-          </a:p>
-          <a:p>
-            <a:r>
-              <a:rPr lang="de-DE" dirty="0" smtClean="0"/>
-              <a:t>Beim </a:t>
-            </a:r>
-            <a:r>
-              <a:rPr lang="de-DE" dirty="0"/>
-              <a:t>Aufruf der Funktion übermittelt man in den Klammern ( ) die gewünschten Werte, die auf die Variablen in der Funktion übertragen werden sollen. </a:t>
-            </a:r>
-            <a:endParaRPr lang="de-DE" dirty="0" smtClean="0"/>
-          </a:p>
-          <a:p>
-            <a:r>
-              <a:rPr lang="de-DE" dirty="0" smtClean="0"/>
-              <a:t>Die </a:t>
-            </a:r>
-            <a:r>
-              <a:rPr lang="de-DE" dirty="0"/>
-              <a:t>Reihenfolge der Parameter ist dabei sehr wichtig. Mehrere Parameter können mit </a:t>
-            </a:r>
-            <a:r>
-              <a:rPr lang="de-DE" dirty="0" smtClean="0"/>
-              <a:t>Komma </a:t>
-            </a:r>
-            <a:r>
-              <a:rPr lang="de-DE" dirty="0"/>
-              <a:t>getrennt angegeben werden.</a:t>
+          </a:p>
+          <a:p>
+            <a:r>
+              <a:rPr lang="de-DE" dirty="0"/>
+              <a:t>Beim Aufruf der Funktion übermittelt man in den Klammern ( ) die gewünschten Werte, die auf die Variablen in der Funktion übertragen werden sollen. </a:t>
+            </a:r>
+          </a:p>
+          <a:p>
+            <a:r>
+              <a:rPr lang="de-DE" dirty="0"/>
+              <a:t>Die Reihenfolge der Parameter ist dabei sehr wichtig. Mehrere Parameter können mit Komma getrennt angegeben werden.</a:t>
             </a:r>
             <a:endParaRPr lang="en-US" dirty="0"/>
           </a:p>
@@ -8743,29 +8324,24 @@
             </a:r>
             <a:r>
               <a:rPr lang="en-US" dirty="0"/>
-              <a:t> -</a:t>
-            </a:r>
-            <a:r>
-              <a:rPr lang="en-US" dirty="0" smtClean="0"/>
+              <a:t> - </a:t>
+            </a:r>
+            <a:r>
+              <a:rPr lang="en-US" dirty="0" err="1"/>
+              <a:t>Defaultwert</a:t>
+            </a:r>
+            <a:r>
+              <a:rPr lang="en-US" dirty="0"/>
               <a:t> </a:t>
             </a:r>
             <a:r>
-              <a:rPr lang="en-US" dirty="0" err="1" smtClean="0"/>
-              <a:t>Defaultwert</a:t>
-            </a:r>
-            <a:r>
-              <a:rPr lang="en-US" dirty="0" smtClean="0"/>
-              <a:t> </a:t>
-            </a:r>
-            <a:r>
-              <a:rPr lang="en-US" dirty="0" err="1" smtClean="0"/>
+              <a:rPr lang="en-US" dirty="0" err="1"/>
               <a:t>für</a:t>
             </a:r>
             <a:r>
-              <a:rPr lang="en-US" dirty="0" smtClean="0"/>
+              <a:rPr lang="en-US" dirty="0"/>
               <a:t> Parameter</a:t>
             </a:r>
-            <a:endParaRPr lang="en-US" dirty="0"/>
           </a:p>
         </p:txBody>
       </p:sp>
@@ -8791,60 +8367,27 @@
           <a:p>
             <a:r>
               <a:rPr lang="de-DE" dirty="0"/>
-              <a:t>Man muss nicht alle von der Funktion </a:t>
-            </a:r>
-            <a:r>
-              <a:rPr lang="de-DE" dirty="0" smtClean="0"/>
-              <a:t>definierten </a:t>
-            </a:r>
-            <a:r>
-              <a:rPr lang="de-DE" dirty="0"/>
-              <a:t>Parameter beim Aufruf mit einem Wert </a:t>
-            </a:r>
-            <a:r>
-              <a:rPr lang="de-DE" dirty="0" smtClean="0"/>
-              <a:t>befüllen</a:t>
-            </a:r>
-          </a:p>
-          <a:p>
-            <a:r>
-              <a:rPr lang="de-DE" dirty="0"/>
-              <a:t>B</a:t>
-            </a:r>
-            <a:r>
-              <a:rPr lang="de-DE" dirty="0" smtClean="0"/>
-              <a:t>efüllt </a:t>
-            </a:r>
-            <a:r>
-              <a:rPr lang="de-DE" dirty="0"/>
-              <a:t>man einen Wert nicht, so hat dieser in der Funktion den Wert </a:t>
-            </a:r>
-            <a:r>
-              <a:rPr lang="de-DE" dirty="0" err="1" smtClean="0"/>
+              <a:t>Man muss nicht alle von der Funktion definierten Parameter beim Aufruf mit einem Wert befüllen</a:t>
+            </a:r>
+          </a:p>
+          <a:p>
+            <a:r>
+              <a:rPr lang="de-DE" dirty="0"/>
+              <a:t>Befüllt man einen Wert nicht, so hat dieser in der Funktion den Wert </a:t>
+            </a:r>
+            <a:r>
+              <a:rPr lang="de-DE" dirty="0" err="1"/>
               <a:t>undefined</a:t>
             </a:r>
             <a:r>
               <a:rPr lang="de-DE" dirty="0"/>
               <a:t>. </a:t>
             </a:r>
-            <a:endParaRPr lang="de-DE" dirty="0" smtClean="0"/>
-          </a:p>
-          <a:p>
-            <a:r>
-              <a:rPr lang="de-DE" dirty="0" smtClean="0"/>
-              <a:t>Man </a:t>
-            </a:r>
-            <a:r>
-              <a:rPr lang="de-DE" dirty="0"/>
-              <a:t>kann </a:t>
-            </a:r>
-            <a:r>
-              <a:rPr lang="de-DE" dirty="0" smtClean="0"/>
-              <a:t>einen </a:t>
-            </a:r>
-            <a:r>
-              <a:rPr lang="de-DE" dirty="0"/>
-              <a:t>Standardwert für Parameter vergeben, dazu schreibt man hinter den Parameter in der Funktion = und den gewünschten Wert.</a:t>
+          </a:p>
+          <a:p>
+            <a:r>
+              <a:rPr lang="de-DE" dirty="0"/>
+              <a:t>Man kann einen Standardwert für Parameter vergeben, dazu schreibt man hinter den Parameter in der Funktion = und den gewünschten Wert.</a:t>
             </a:r>
             <a:endParaRPr lang="en-US" dirty="0"/>
           </a:p>
@@ -9141,14 +8684,10 @@
             </a:r>
             <a:r>
               <a:rPr lang="en-US" dirty="0"/>
-              <a:t> </a:t>
-            </a:r>
-            <a:r>
-              <a:rPr lang="en-US" dirty="0" smtClean="0"/>
-              <a:t>- </a:t>
-            </a:r>
-            <a:r>
-              <a:rPr lang="en-US" dirty="0" err="1" smtClean="0"/>
+              <a:t> - </a:t>
+            </a:r>
+            <a:r>
+              <a:rPr lang="en-US" dirty="0" err="1"/>
               <a:t>Rückgabewert</a:t>
             </a:r>
             <a:endParaRPr lang="en-US" dirty="0"/>
@@ -9179,11 +8718,10 @@
               <a:rPr lang="de-DE" dirty="0"/>
               <a:t>Ein Rückgabewert wird nach Ausführung der Funktion an Stelle des Aufrufs eingesetzt, man kann es also beispielsweise einer Variable zuweisen. </a:t>
             </a:r>
-            <a:endParaRPr lang="de-DE" dirty="0" smtClean="0"/>
-          </a:p>
-          <a:p>
-            <a:r>
-              <a:rPr lang="de-DE" dirty="0" smtClean="0"/>
+          </a:p>
+          <a:p>
+            <a:r>
+              <a:rPr lang="de-DE" dirty="0"/>
               <a:t>Mit </a:t>
             </a:r>
             <a:r>
@@ -9194,16 +8732,11 @@
               <a:rPr lang="de-DE" dirty="0"/>
               <a:t> und einem darauf folgendem Wert gibt man in der Funktion einen Wert zurück. </a:t>
             </a:r>
-            <a:endParaRPr lang="de-DE" dirty="0" smtClean="0"/>
-          </a:p>
-          <a:p>
-            <a:r>
-              <a:rPr lang="de-DE" dirty="0" smtClean="0"/>
-              <a:t>Die </a:t>
-            </a:r>
-            <a:r>
-              <a:rPr lang="de-DE" dirty="0"/>
-              <a:t>Funktion stoppt ihre Ausführung, sobald sie auf ein </a:t>
+          </a:p>
+          <a:p>
+            <a:r>
+              <a:rPr lang="de-DE" dirty="0"/>
+              <a:t>Die Funktion stoppt ihre Ausführung, sobald sie auf ein </a:t>
             </a:r>
             <a:r>
               <a:rPr lang="de-DE" dirty="0" err="1"/>
@@ -9544,7 +9077,7 @@
           <a:lstStyle/>
           <a:p>
             <a:r>
-              <a:rPr lang="de-AT" dirty="0" smtClean="0"/>
+              <a:rPr lang="de-AT" dirty="0"/>
               <a:t>Übung zu Funktionen</a:t>
             </a:r>
             <a:endParaRPr lang="en-US" dirty="0"/>
@@ -9572,28 +9105,27 @@
           <a:lstStyle/>
           <a:p>
             <a:r>
-              <a:rPr lang="de-AT" dirty="0" smtClean="0"/>
+              <a:rPr lang="de-AT" dirty="0"/>
               <a:t>Erstelle eine Funktion „</a:t>
             </a:r>
             <a:r>
-              <a:rPr lang="de-AT" dirty="0" err="1" smtClean="0"/>
+              <a:rPr lang="de-AT" dirty="0" err="1"/>
               <a:t>pow</a:t>
             </a:r>
             <a:r>
-              <a:rPr lang="de-AT" dirty="0" smtClean="0"/>
+              <a:rPr lang="de-AT" dirty="0"/>
               <a:t>“ die 2 Zahlenwerte als Parameter übergibt</a:t>
             </a:r>
           </a:p>
           <a:p>
             <a:r>
-              <a:rPr lang="de-AT" dirty="0" smtClean="0"/>
+              <a:rPr lang="de-AT" dirty="0"/>
               <a:t>Die Funktion soll den ersten Wert mit dem zweiten Wert potenzieren</a:t>
             </a:r>
-            <a:endParaRPr lang="de-AT" dirty="0"/>
-          </a:p>
-          <a:p>
-            <a:r>
-              <a:rPr lang="de-AT" dirty="0" smtClean="0"/>
+          </a:p>
+          <a:p>
+            <a:r>
+              <a:rPr lang="de-AT" dirty="0"/>
               <a:t>Wurde kein zweiter Wert mitgegeben, dann wird automatisch die erste Zahl quadriert</a:t>
             </a:r>
             <a:endParaRPr lang="en-US" dirty="0"/>
@@ -9862,7 +9394,7 @@
           <a:lstStyle/>
           <a:p>
             <a:r>
-              <a:rPr lang="de-AT" dirty="0" smtClean="0"/>
+              <a:rPr lang="de-AT" dirty="0"/>
               <a:t>Anonyme Funktionen</a:t>
             </a:r>
             <a:endParaRPr lang="en-US" dirty="0"/>
@@ -9886,21 +9418,13 @@
           <a:p>
             <a:r>
               <a:rPr lang="de-DE" dirty="0"/>
-              <a:t>Funktionen können auch namenlos sein, man nennt sie dann "Anonyme </a:t>
-            </a:r>
-            <a:r>
-              <a:rPr lang="de-DE" dirty="0" smtClean="0"/>
-              <a:t>Funktion„</a:t>
-            </a:r>
-          </a:p>
-          <a:p>
-            <a:r>
-              <a:rPr lang="de-DE" dirty="0" smtClean="0"/>
-              <a:t>Man </a:t>
-            </a:r>
-            <a:r>
-              <a:rPr lang="de-DE" dirty="0"/>
-              <a:t>kann Funktionen genauso wie Texte und Zahlen in Variablen speichern, und sie dann über den Variablennamen ansprechen.</a:t>
+              <a:t>Funktionen können auch namenlos sein, man nennt sie dann "Anonyme Funktion„</a:t>
+            </a:r>
+          </a:p>
+          <a:p>
+            <a:r>
+              <a:rPr lang="de-DE" dirty="0"/>
+              <a:t>Man kann Funktionen genauso wie Texte und Zahlen in Variablen speichern, und sie dann über den Variablennamen ansprechen.</a:t>
             </a:r>
             <a:endParaRPr lang="en-US" dirty="0"/>
           </a:p>
@@ -10136,11 +9660,11 @@
           <a:lstStyle/>
           <a:p>
             <a:r>
-              <a:rPr lang="de-AT" dirty="0" smtClean="0"/>
+              <a:rPr lang="de-AT" dirty="0"/>
               <a:t>Arrow </a:t>
             </a:r>
             <a:r>
-              <a:rPr lang="de-AT" dirty="0" err="1" smtClean="0"/>
+              <a:rPr lang="de-AT" dirty="0" err="1"/>
               <a:t>Functions</a:t>
             </a:r>
             <a:endParaRPr lang="en-US" dirty="0"/>
@@ -10170,16 +9694,12 @@
           <a:lstStyle/>
           <a:p>
             <a:r>
-              <a:rPr lang="de-DE" dirty="0" err="1" smtClean="0"/>
+              <a:rPr lang="de-DE" dirty="0" err="1"/>
               <a:t>ArrowFunctions</a:t>
             </a:r>
             <a:r>
-              <a:rPr lang="de-DE" dirty="0" smtClean="0"/>
-              <a:t> verzichten </a:t>
-            </a:r>
-            <a:r>
-              <a:rPr lang="de-DE" dirty="0"/>
-              <a:t>auf das Schlüsselwort </a:t>
+              <a:rPr lang="de-DE" dirty="0"/>
+              <a:t> verzichten auf das Schlüsselwort </a:t>
             </a:r>
             <a:r>
               <a:rPr lang="de-DE" dirty="0" err="1"/>
@@ -10187,26 +9707,13 @@
             </a:r>
             <a:r>
               <a:rPr lang="de-DE" dirty="0"/>
-              <a:t> und </a:t>
-            </a:r>
-            <a:r>
-              <a:rPr lang="de-DE" dirty="0" smtClean="0"/>
-              <a:t>schreiben </a:t>
-            </a:r>
-            <a:r>
-              <a:rPr lang="de-DE" dirty="0"/>
-              <a:t>stattdessen =&gt; zwischen die Parameter-Klammern () und den Code-Block { ... }. </a:t>
-            </a:r>
-            <a:endParaRPr lang="de-DE" dirty="0" smtClean="0"/>
-          </a:p>
-          <a:p>
-            <a:r>
-              <a:rPr lang="de-DE" dirty="0" smtClean="0"/>
-              <a:t>Wird </a:t>
-            </a:r>
-            <a:r>
-              <a:rPr lang="de-DE" dirty="0"/>
-              <a:t>lediglich eine Berechnung angestellt, die sofort zurückgegeben wird, kann bei Arrow-</a:t>
+              <a:t> und schreiben stattdessen =&gt; zwischen die Parameter-Klammern () und den Code-Block { ... }. </a:t>
+            </a:r>
+          </a:p>
+          <a:p>
+            <a:r>
+              <a:rPr lang="de-DE" dirty="0"/>
+              <a:t>Wird lediglich eine Berechnung angestellt, die sofort zurückgegeben wird, kann bei Arrow-</a:t>
             </a:r>
             <a:r>
               <a:rPr lang="de-DE" dirty="0" err="1"/>
@@ -10224,16 +9731,11 @@
               <a:rPr lang="de-DE" dirty="0"/>
               <a:t> verzichtet werden, man schreibt dann hinter den Pfeil =&gt; sofort den Rückgabewert. </a:t>
             </a:r>
-            <a:endParaRPr lang="de-DE" dirty="0" smtClean="0"/>
-          </a:p>
-          <a:p>
-            <a:r>
-              <a:rPr lang="de-DE" dirty="0" smtClean="0"/>
-              <a:t>Hat </a:t>
-            </a:r>
-            <a:r>
-              <a:rPr lang="de-DE" dirty="0"/>
-              <a:t>eine </a:t>
+          </a:p>
+          <a:p>
+            <a:r>
+              <a:rPr lang="de-DE" dirty="0"/>
+              <a:t>Hat eine </a:t>
             </a:r>
             <a:r>
               <a:rPr lang="de-DE" dirty="0" err="1"/>
@@ -10533,7 +10035,7 @@
                 <a16:creationId xmlns:a16="http://schemas.microsoft.com/office/drawing/2014/main" id="{BE229233-9672-4675-99B7-6CBCEF1CD415}"/>
               </a:ext>
               <a:ext uri="{C183D7F6-B498-43B3-948B-1728B52AA6E4}">
-                <adec:decorative xmlns="" xmlns:adec="http://schemas.microsoft.com/office/drawing/2017/decorative" val="1"/>
+                <adec:decorative xmlns:adec="http://schemas.microsoft.com/office/drawing/2017/decorative" val="1"/>
               </a:ext>
             </a:extLst>
           </p:cNvPr>
@@ -10628,7 +10130,7 @@
                 <a16:creationId xmlns:a16="http://schemas.microsoft.com/office/drawing/2014/main" id="{EC5FF010-B53C-46BE-BEEF-AF926A00F67F}"/>
               </a:ext>
               <a:ext uri="{C183D7F6-B498-43B3-948B-1728B52AA6E4}">
-                <adec:decorative xmlns="" xmlns:adec="http://schemas.microsoft.com/office/drawing/2017/decorative" val="1"/>
+                <adec:decorative xmlns:adec="http://schemas.microsoft.com/office/drawing/2017/decorative" val="1"/>
               </a:ext>
             </a:extLst>
           </p:cNvPr>
@@ -10694,7 +10196,7 @@
                 <a16:creationId xmlns:a16="http://schemas.microsoft.com/office/drawing/2014/main" id="{8509AD9C-1F43-4138-A72B-8CA988EDD475}"/>
               </a:ext>
               <a:ext uri="{C183D7F6-B498-43B3-948B-1728B52AA6E4}">
-                <adec:decorative xmlns="" xmlns:adec="http://schemas.microsoft.com/office/drawing/2017/decorative" val="1"/>
+                <adec:decorative xmlns:adec="http://schemas.microsoft.com/office/drawing/2017/decorative" val="1"/>
               </a:ext>
             </a:extLst>
           </p:cNvPr>
@@ -10782,10 +10284,9 @@
           <a:p>
             <a:pPr algn="ctr"/>
             <a:r>
-              <a:rPr lang="de-AT" sz="3200" dirty="0" smtClean="0"/>
+              <a:rPr lang="de-AT" sz="3200" dirty="0"/>
               <a:t>Kommentare</a:t>
             </a:r>
-            <a:endParaRPr lang="de-AT" sz="3200" dirty="0"/>
           </a:p>
         </p:txBody>
       </p:sp>
@@ -10840,13 +10341,6 @@
   <p:clrMapOvr>
     <a:masterClrMapping/>
   </p:clrMapOvr>
-  <p:timing>
-    <p:tnLst>
-      <p:par>
-        <p:cTn id="1" dur="indefinite" restart="never" nodeType="tmRoot"/>
-      </p:par>
-    </p:tnLst>
-  </p:timing>
 </p:sld>
 </file>
 
@@ -10883,7 +10377,7 @@
           <a:lstStyle/>
           <a:p>
             <a:r>
-              <a:rPr lang="de-AT" dirty="0" smtClean="0"/>
+              <a:rPr lang="de-AT" dirty="0"/>
               <a:t>Funktionen an Funktionen übergeben</a:t>
             </a:r>
             <a:endParaRPr lang="en-US" dirty="0"/>
@@ -11077,19 +10571,19 @@
           <a:lstStyle/>
           <a:p>
             <a:r>
-              <a:rPr lang="de-AT" dirty="0" smtClean="0"/>
+              <a:rPr lang="de-AT" dirty="0"/>
               <a:t>Funktionen – Call </a:t>
             </a:r>
             <a:r>
-              <a:rPr lang="de-AT" dirty="0" err="1" smtClean="0"/>
+              <a:rPr lang="de-AT" dirty="0" err="1"/>
               <a:t>by</a:t>
             </a:r>
             <a:r>
-              <a:rPr lang="de-AT" dirty="0" smtClean="0"/>
+              <a:rPr lang="de-AT" dirty="0"/>
               <a:t> </a:t>
             </a:r>
             <a:r>
-              <a:rPr lang="de-AT" dirty="0" err="1" smtClean="0"/>
+              <a:rPr lang="de-AT" dirty="0" err="1"/>
               <a:t>value</a:t>
             </a:r>
             <a:endParaRPr lang="en-US" dirty="0"/>
@@ -11126,25 +10620,13 @@
             </a:r>
             <a:r>
               <a:rPr lang="de-DE" dirty="0"/>
-              <a:t> per Wert </a:t>
-            </a:r>
-            <a:r>
-              <a:rPr lang="de-DE" dirty="0" smtClean="0"/>
-              <a:t>übergeben</a:t>
-            </a:r>
-          </a:p>
-          <a:p>
-            <a:r>
-              <a:rPr lang="de-DE" dirty="0" smtClean="0"/>
-              <a:t>Das </a:t>
-            </a:r>
-            <a:r>
-              <a:rPr lang="de-DE" dirty="0"/>
-              <a:t>bedeutet, dass beim Aufruf einer Funktion eine Kopie des Werts der Variable erstellt wird und die Funktion mit dieser Kopie arbeitet, ohne die ursprüngliche Variable zu </a:t>
-            </a:r>
-            <a:r>
-              <a:rPr lang="de-DE" dirty="0" smtClean="0"/>
-              <a:t>ändern</a:t>
+              <a:t> per Wert übergeben</a:t>
+            </a:r>
+          </a:p>
+          <a:p>
+            <a:r>
+              <a:rPr lang="de-DE" dirty="0"/>
+              <a:t>Das bedeutet, dass beim Aufruf einer Funktion eine Kopie des Werts der Variable erstellt wird und die Funktion mit dieser Kopie arbeitet, ohne die ursprüngliche Variable zu ändern</a:t>
             </a:r>
             <a:endParaRPr lang="en-US" dirty="0"/>
           </a:p>
@@ -11375,11 +10857,11 @@
           <a:lstStyle/>
           <a:p>
             <a:r>
-              <a:rPr lang="de-AT" dirty="0" smtClean="0"/>
+              <a:rPr lang="de-AT" dirty="0"/>
               <a:t>Clean </a:t>
             </a:r>
             <a:r>
-              <a:rPr lang="de-AT" dirty="0" err="1" smtClean="0"/>
+              <a:rPr lang="de-AT" dirty="0" err="1"/>
               <a:t>Functions</a:t>
             </a:r>
             <a:endParaRPr lang="en-US" dirty="0"/>
@@ -11469,13 +10951,6 @@
   <p:clrMapOvr>
     <a:masterClrMapping/>
   </p:clrMapOvr>
-  <p:timing>
-    <p:tnLst>
-      <p:par>
-        <p:cTn id="1" dur="indefinite" restart="never" nodeType="tmRoot"/>
-      </p:par>
-    </p:tnLst>
-  </p:timing>
 </p:sld>
 </file>
 
@@ -11512,15 +10987,15 @@
           <a:lstStyle/>
           <a:p>
             <a:r>
-              <a:rPr lang="de-AT" dirty="0" smtClean="0"/>
+              <a:rPr lang="de-AT" dirty="0"/>
               <a:t>Clean </a:t>
             </a:r>
             <a:r>
-              <a:rPr lang="de-AT" dirty="0" err="1" smtClean="0"/>
+              <a:rPr lang="de-AT" dirty="0" err="1"/>
               <a:t>Functions</a:t>
             </a:r>
             <a:r>
-              <a:rPr lang="de-AT" dirty="0" smtClean="0"/>
+              <a:rPr lang="de-AT" dirty="0"/>
               <a:t> - Länge</a:t>
             </a:r>
             <a:endParaRPr lang="en-US" dirty="0"/>
@@ -11545,208 +11020,204 @@
           <a:lstStyle/>
           <a:p>
             <a:r>
-              <a:rPr lang="de-AT" dirty="0" smtClean="0"/>
+              <a:rPr lang="de-AT" dirty="0"/>
               <a:t>Wie groß darf eine Funktion sein?</a:t>
             </a:r>
           </a:p>
           <a:p>
             <a:pPr lvl="1"/>
             <a:r>
-              <a:rPr lang="de-AT" dirty="0" smtClean="0"/>
+              <a:rPr lang="de-AT" dirty="0"/>
               <a:t>Nicht größer als notwendig</a:t>
             </a:r>
           </a:p>
           <a:p>
             <a:pPr lvl="1"/>
             <a:r>
-              <a:rPr lang="de-AT" dirty="0" smtClean="0"/>
+              <a:rPr lang="de-AT" dirty="0"/>
               <a:t>Weniger als 100 Zeilen</a:t>
             </a:r>
           </a:p>
           <a:p>
             <a:r>
-              <a:rPr lang="de-AT" dirty="0" smtClean="0"/>
+              <a:rPr lang="de-AT" dirty="0"/>
               <a:t>Wie viele Parameter darf eine Funktion haben</a:t>
             </a:r>
           </a:p>
           <a:p>
             <a:pPr lvl="1"/>
             <a:r>
-              <a:rPr lang="de-AT" dirty="0" smtClean="0"/>
+              <a:rPr lang="de-AT" dirty="0"/>
               <a:t>Im Idealfall &lt; 3 </a:t>
             </a:r>
           </a:p>
           <a:p>
             <a:pPr lvl="1"/>
             <a:r>
-              <a:rPr lang="de-AT" dirty="0" smtClean="0"/>
+              <a:rPr lang="de-AT" dirty="0"/>
               <a:t>Nicht mehr als wirklich notwendig</a:t>
             </a:r>
           </a:p>
           <a:p>
             <a:r>
-              <a:rPr lang="de-AT" dirty="0" smtClean="0"/>
+              <a:rPr lang="de-AT" dirty="0"/>
               <a:t>Verwende </a:t>
             </a:r>
             <a:r>
-              <a:rPr lang="de-AT" dirty="0" err="1" smtClean="0"/>
+              <a:rPr lang="de-AT" dirty="0" err="1"/>
               <a:t>Flag</a:t>
             </a:r>
             <a:r>
               <a:rPr lang="de-AT" dirty="0"/>
-              <a:t> </a:t>
-            </a:r>
-            <a:r>
-              <a:rPr lang="de-AT" dirty="0" smtClean="0"/>
-              <a:t>Parameter mit Bedacht</a:t>
+              <a:t> Parameter mit Bedacht</a:t>
             </a:r>
           </a:p>
           <a:p>
             <a:pPr lvl="1"/>
             <a:r>
-              <a:rPr lang="de-AT" dirty="0" err="1" smtClean="0"/>
+              <a:rPr lang="de-AT" dirty="0" err="1"/>
               <a:t>buyCar</a:t>
             </a:r>
             <a:r>
-              <a:rPr lang="de-AT" dirty="0" smtClean="0"/>
+              <a:rPr lang="de-AT" dirty="0"/>
               <a:t>(</a:t>
             </a:r>
             <a:r>
-              <a:rPr lang="de-AT" dirty="0" err="1" smtClean="0"/>
+              <a:rPr lang="de-AT" dirty="0" err="1"/>
               <a:t>brand</a:t>
             </a:r>
             <a:r>
-              <a:rPr lang="de-AT" dirty="0" smtClean="0"/>
+              <a:rPr lang="de-AT" dirty="0"/>
               <a:t>, </a:t>
             </a:r>
             <a:r>
-              <a:rPr lang="de-AT" dirty="0" err="1" smtClean="0"/>
+              <a:rPr lang="de-AT" dirty="0" err="1"/>
               <a:t>isElectric</a:t>
             </a:r>
             <a:r>
-              <a:rPr lang="de-AT" dirty="0" smtClean="0"/>
+              <a:rPr lang="de-AT" dirty="0"/>
               <a:t>) </a:t>
             </a:r>
           </a:p>
           <a:p>
             <a:pPr lvl="1"/>
             <a:r>
-              <a:rPr lang="de-AT" dirty="0" smtClean="0"/>
+              <a:rPr lang="de-AT" dirty="0"/>
               <a:t>Alternative: in 2 Funktionen aufspalten</a:t>
             </a:r>
           </a:p>
           <a:p>
             <a:pPr lvl="1"/>
             <a:r>
-              <a:rPr lang="de-AT" dirty="0" err="1" smtClean="0">
+              <a:rPr lang="de-AT" dirty="0" err="1">
                 <a:sym typeface="Wingdings" panose="05000000000000000000" pitchFamily="2" charset="2"/>
               </a:rPr>
               <a:t>Bsp</a:t>
             </a:r>
             <a:r>
-              <a:rPr lang="de-AT" dirty="0" smtClean="0">
+              <a:rPr lang="de-AT" dirty="0">
                 <a:sym typeface="Wingdings" panose="05000000000000000000" pitchFamily="2" charset="2"/>
               </a:rPr>
               <a:t>: </a:t>
             </a:r>
             <a:r>
-              <a:rPr lang="de-AT" dirty="0" err="1" smtClean="0">
+              <a:rPr lang="de-AT" dirty="0" err="1">
                 <a:sym typeface="Wingdings" panose="05000000000000000000" pitchFamily="2" charset="2"/>
               </a:rPr>
               <a:t>buyElectricCar</a:t>
             </a:r>
             <a:r>
-              <a:rPr lang="de-AT" dirty="0" smtClean="0">
+              <a:rPr lang="de-AT" dirty="0">
                 <a:sym typeface="Wingdings" panose="05000000000000000000" pitchFamily="2" charset="2"/>
               </a:rPr>
               <a:t>(</a:t>
             </a:r>
             <a:r>
-              <a:rPr lang="de-AT" dirty="0" err="1" smtClean="0">
+              <a:rPr lang="de-AT" dirty="0" err="1">
                 <a:sym typeface="Wingdings" panose="05000000000000000000" pitchFamily="2" charset="2"/>
               </a:rPr>
               <a:t>brand</a:t>
             </a:r>
             <a:r>
-              <a:rPr lang="de-AT" dirty="0" smtClean="0">
+              <a:rPr lang="de-AT" dirty="0">
                 <a:sym typeface="Wingdings" panose="05000000000000000000" pitchFamily="2" charset="2"/>
               </a:rPr>
               <a:t>), </a:t>
             </a:r>
             <a:r>
-              <a:rPr lang="de-AT" dirty="0" err="1" smtClean="0">
+              <a:rPr lang="de-AT" dirty="0" err="1">
                 <a:sym typeface="Wingdings" panose="05000000000000000000" pitchFamily="2" charset="2"/>
               </a:rPr>
               <a:t>buyFuelCar</a:t>
             </a:r>
             <a:r>
-              <a:rPr lang="de-AT" dirty="0" smtClean="0">
+              <a:rPr lang="de-AT" dirty="0">
                 <a:sym typeface="Wingdings" panose="05000000000000000000" pitchFamily="2" charset="2"/>
               </a:rPr>
               <a:t>(</a:t>
             </a:r>
             <a:r>
-              <a:rPr lang="de-AT" dirty="0" err="1" smtClean="0">
+              <a:rPr lang="de-AT" dirty="0" err="1">
                 <a:sym typeface="Wingdings" panose="05000000000000000000" pitchFamily="2" charset="2"/>
               </a:rPr>
               <a:t>brand</a:t>
             </a:r>
             <a:r>
-              <a:rPr lang="de-AT" dirty="0" smtClean="0">
+              <a:rPr lang="de-AT" dirty="0">
                 <a:sym typeface="Wingdings" panose="05000000000000000000" pitchFamily="2" charset="2"/>
               </a:rPr>
               <a:t>)</a:t>
             </a:r>
-            <a:endParaRPr lang="de-AT" dirty="0" smtClean="0"/>
+            <a:endParaRPr lang="de-AT" dirty="0"/>
           </a:p>
           <a:p>
             <a:pPr lvl="1"/>
             <a:r>
-              <a:rPr lang="de-AT" dirty="0" err="1" smtClean="0"/>
+              <a:rPr lang="de-AT" dirty="0" err="1"/>
               <a:t>Bsp</a:t>
             </a:r>
             <a:r>
-              <a:rPr lang="de-AT" dirty="0" smtClean="0"/>
+              <a:rPr lang="de-AT" dirty="0"/>
               <a:t> Funktionsaufruf: </a:t>
             </a:r>
             <a:r>
-              <a:rPr lang="de-AT" dirty="0" err="1" smtClean="0"/>
+              <a:rPr lang="de-AT" dirty="0" err="1"/>
               <a:t>buyCar</a:t>
             </a:r>
             <a:r>
-              <a:rPr lang="de-AT" dirty="0" smtClean="0"/>
+              <a:rPr lang="de-AT" dirty="0"/>
               <a:t>(„Audi“, </a:t>
             </a:r>
             <a:r>
-              <a:rPr lang="de-AT" dirty="0" err="1" smtClean="0"/>
+              <a:rPr lang="de-AT" dirty="0" err="1"/>
               <a:t>true</a:t>
             </a:r>
             <a:r>
-              <a:rPr lang="de-AT" dirty="0" smtClean="0"/>
+              <a:rPr lang="de-AT" dirty="0"/>
               <a:t>) </a:t>
             </a:r>
             <a:r>
-              <a:rPr lang="de-AT" dirty="0" err="1" smtClean="0"/>
+              <a:rPr lang="de-AT" dirty="0" err="1"/>
               <a:t>vs</a:t>
             </a:r>
             <a:r>
-              <a:rPr lang="de-AT" dirty="0" smtClean="0"/>
+              <a:rPr lang="de-AT" dirty="0"/>
               <a:t> </a:t>
             </a:r>
             <a:r>
-              <a:rPr lang="de-AT" dirty="0" err="1" smtClean="0"/>
+              <a:rPr lang="de-AT" dirty="0" err="1"/>
               <a:t>buyElectricCar</a:t>
             </a:r>
             <a:r>
-              <a:rPr lang="de-AT" dirty="0" smtClean="0"/>
+              <a:rPr lang="de-AT" dirty="0"/>
               <a:t>(„Audi“)</a:t>
             </a:r>
           </a:p>
           <a:p>
-            <a:endParaRPr lang="de-AT" dirty="0" smtClean="0"/>
-          </a:p>
-          <a:p>
-            <a:endParaRPr lang="de-AT" dirty="0" smtClean="0"/>
+            <a:endParaRPr lang="de-AT" dirty="0"/>
+          </a:p>
+          <a:p>
+            <a:endParaRPr lang="de-AT" dirty="0"/>
           </a:p>
           <a:p>
             <a:pPr lvl="1"/>
@@ -12436,19 +11907,19 @@
           <a:lstStyle/>
           <a:p>
             <a:r>
-              <a:rPr lang="de-AT" dirty="0" smtClean="0"/>
+              <a:rPr lang="de-AT" dirty="0"/>
               <a:t>Clean </a:t>
             </a:r>
             <a:r>
-              <a:rPr lang="de-AT" dirty="0" err="1" smtClean="0"/>
+              <a:rPr lang="de-AT" dirty="0" err="1"/>
               <a:t>Functions</a:t>
             </a:r>
             <a:r>
-              <a:rPr lang="de-AT" dirty="0" smtClean="0"/>
+              <a:rPr lang="de-AT" dirty="0"/>
               <a:t> – Single </a:t>
             </a:r>
             <a:r>
-              <a:rPr lang="de-AT" dirty="0" err="1" smtClean="0"/>
+              <a:rPr lang="de-AT" dirty="0" err="1"/>
               <a:t>Responsibility</a:t>
             </a:r>
             <a:endParaRPr lang="en-US" dirty="0"/>
@@ -12476,12 +11947,8 @@
           <a:lstStyle/>
           <a:p>
             <a:r>
-              <a:rPr lang="de-DE" dirty="0" smtClean="0"/>
-              <a:t>Schreibe </a:t>
-            </a:r>
-            <a:r>
-              <a:rPr lang="de-DE" dirty="0"/>
-              <a:t>Funktionen so, dass sie </a:t>
+              <a:rPr lang="de-DE" dirty="0"/>
+              <a:t>Schreibe Funktionen so, dass sie </a:t>
             </a:r>
             <a:r>
               <a:rPr lang="de-DE" b="1" dirty="0"/>
@@ -12489,73 +11956,61 @@
             </a:r>
             <a:r>
               <a:rPr lang="de-DE" dirty="0"/>
-              <a:t>Aufgaben erfüllen, die unabhängig voneinander funktionieren </a:t>
-            </a:r>
-            <a:r>
-              <a:rPr lang="de-DE" dirty="0" smtClean="0"/>
-              <a:t>können</a:t>
-            </a:r>
-          </a:p>
-          <a:p>
-            <a:r>
-              <a:rPr lang="de-DE" dirty="0"/>
-              <a:t>Behandle nicht mehrere Aspekte in einer </a:t>
-            </a:r>
-            <a:r>
-              <a:rPr lang="de-DE" dirty="0" smtClean="0"/>
-              <a:t>Funktion</a:t>
-            </a:r>
-            <a:r>
-              <a:rPr lang="en-US" dirty="0" smtClean="0"/>
+              <a:t>Aufgaben erfüllen, die unabhängig voneinander funktionieren können</a:t>
+            </a:r>
+          </a:p>
+          <a:p>
+            <a:r>
+              <a:rPr lang="de-DE" dirty="0"/>
+              <a:t>Behandle nicht mehrere Aspekte in einer Funktion</a:t>
+            </a:r>
+            <a:r>
+              <a:rPr lang="en-US" dirty="0"/>
               <a:t> - </a:t>
             </a:r>
             <a:r>
               <a:rPr lang="de-DE" dirty="0"/>
-              <a:t>e</a:t>
-            </a:r>
-            <a:r>
-              <a:rPr lang="de-DE" dirty="0" smtClean="0"/>
-              <a:t>ine Funktion sollte immer nur eine bestimmte Aufgabe haben</a:t>
-            </a:r>
-          </a:p>
-          <a:p>
-            <a:r>
-              <a:rPr lang="de-DE" dirty="0" smtClean="0"/>
+              <a:t>eine Funktion sollte immer nur eine bestimmte Aufgabe haben</a:t>
+            </a:r>
+          </a:p>
+          <a:p>
+            <a:r>
+              <a:rPr lang="de-DE" dirty="0"/>
               <a:t>Merkmal das eine Funktion nicht dem Single </a:t>
             </a:r>
             <a:r>
-              <a:rPr lang="de-DE" dirty="0" err="1" smtClean="0"/>
+              <a:rPr lang="de-DE" dirty="0" err="1"/>
               <a:t>Responsibility</a:t>
             </a:r>
             <a:r>
-              <a:rPr lang="de-DE" dirty="0" smtClean="0"/>
+              <a:rPr lang="de-DE" dirty="0"/>
               <a:t> Prinzip folgt</a:t>
             </a:r>
           </a:p>
           <a:p>
             <a:pPr lvl="1"/>
             <a:r>
-              <a:rPr lang="de-DE" dirty="0" smtClean="0"/>
+              <a:rPr lang="de-DE" dirty="0"/>
               <a:t>„Meine Funktion macht das … UND das … UND das …“</a:t>
             </a:r>
           </a:p>
           <a:p>
             <a:pPr lvl="1"/>
             <a:r>
-              <a:rPr lang="de-DE" dirty="0" smtClean="0"/>
+              <a:rPr lang="de-DE" dirty="0"/>
               <a:t>Funktionsname: </a:t>
             </a:r>
             <a:r>
-              <a:rPr lang="de-DE" dirty="0" err="1" smtClean="0"/>
+              <a:rPr lang="de-DE" dirty="0" err="1"/>
               <a:t>ReadAndScaleTemperature</a:t>
             </a:r>
-            <a:endParaRPr lang="de-DE" dirty="0" smtClean="0"/>
+            <a:endParaRPr lang="de-DE" dirty="0"/>
           </a:p>
           <a:p>
             <a:pPr marL="0" indent="0">
               <a:buNone/>
             </a:pPr>
-            <a:endParaRPr lang="de-DE" dirty="0" smtClean="0"/>
+            <a:endParaRPr lang="de-DE" dirty="0"/>
           </a:p>
         </p:txBody>
       </p:sp>
@@ -12624,7 +12079,6 @@
               <a:srgbClr val="FFFFFF"/>
             </a:contourClr>
           </a:sp3d>
-          <a:extLst/>
         </p:spPr>
       </p:pic>
     </p:spTree>
@@ -12980,7 +12434,7 @@
           <a:lstStyle/>
           <a:p>
             <a:r>
-              <a:rPr lang="de-AT" dirty="0" smtClean="0"/>
+              <a:rPr lang="de-AT" dirty="0"/>
               <a:t>Übung zu Funktionen &amp; Verzweigungen</a:t>
             </a:r>
             <a:endParaRPr lang="en-US" dirty="0"/>
@@ -13013,109 +12467,50 @@
               <a:buNone/>
             </a:pPr>
             <a:r>
-              <a:rPr lang="de-DE" dirty="0" smtClean="0"/>
-              <a:t>Schreibe </a:t>
-            </a:r>
-            <a:r>
-              <a:rPr lang="de-DE" dirty="0"/>
-              <a:t>ein Programm, das herausfindet, ob ein </a:t>
-            </a:r>
-            <a:r>
-              <a:rPr lang="de-DE" dirty="0" smtClean="0"/>
-              <a:t>durch den Benutzer eingegebenes </a:t>
-            </a:r>
-            <a:r>
-              <a:rPr lang="de-DE" dirty="0"/>
-              <a:t>Jahr ein Schaltjahr </a:t>
-            </a:r>
-            <a:r>
-              <a:rPr lang="de-DE" dirty="0" smtClean="0"/>
-              <a:t>ist. </a:t>
+              <a:rPr lang="de-DE" dirty="0"/>
+              <a:t>Schreibe ein Programm, das herausfindet, ob ein durch den Benutzer eingegebenes Jahr ein Schaltjahr ist. </a:t>
             </a:r>
           </a:p>
           <a:p>
             <a:pPr marL="0" indent="0">
               <a:buNone/>
             </a:pPr>
-            <a:r>
-              <a:rPr lang="de-DE" dirty="0" smtClean="0"/>
-              <a:t/>
-            </a:r>
             <a:br>
-              <a:rPr lang="de-DE" dirty="0" smtClean="0"/>
+              <a:rPr lang="de-DE" dirty="0"/>
             </a:br>
             <a:r>
-              <a:rPr lang="de-DE" dirty="0" smtClean="0"/>
-              <a:t>So </a:t>
-            </a:r>
-            <a:r>
-              <a:rPr lang="de-DE" dirty="0"/>
-              <a:t>lässt sich herausfinden, ob ein bestimmtes Jahr ein Schaltjahr ist</a:t>
-            </a:r>
-            <a:r>
-              <a:rPr lang="de-DE" dirty="0" smtClean="0"/>
-              <a:t>:</a:t>
-            </a:r>
-            <a:endParaRPr lang="de-DE" dirty="0"/>
-          </a:p>
-          <a:p>
-            <a:r>
-              <a:rPr lang="de-DE" dirty="0"/>
-              <a:t>Ein Jahr ist ein Schaltjahr, wenn es durch 4 ohne Rest teilbar ist</a:t>
-            </a:r>
-            <a:r>
-              <a:rPr lang="de-DE" dirty="0" smtClean="0"/>
-              <a:t>;</a:t>
-            </a:r>
-            <a:endParaRPr lang="de-DE" dirty="0"/>
-          </a:p>
-          <a:p>
-            <a:r>
-              <a:rPr lang="de-DE" dirty="0"/>
-              <a:t>außer wenn dieses Jahr auch durch 100 ohne Rest teilbar ist</a:t>
-            </a:r>
-            <a:r>
-              <a:rPr lang="de-DE" dirty="0" smtClean="0"/>
-              <a:t>;</a:t>
-            </a:r>
-            <a:endParaRPr lang="de-DE" dirty="0"/>
-          </a:p>
-          <a:p>
-            <a:r>
-              <a:rPr lang="de-DE" dirty="0"/>
-              <a:t>es sei denn, dieses Jahr ist auch durch 400 ohne Rest teilbar</a:t>
-            </a:r>
-            <a:r>
-              <a:rPr lang="de-DE" dirty="0" smtClean="0"/>
-              <a:t>.</a:t>
+              <a:rPr lang="de-DE" dirty="0"/>
+              <a:t>So lässt sich herausfinden, ob ein bestimmtes Jahr ein Schaltjahr ist:</a:t>
+            </a:r>
+          </a:p>
+          <a:p>
+            <a:r>
+              <a:rPr lang="de-DE" dirty="0"/>
+              <a:t>Ein Jahr ist ein Schaltjahr, wenn es durch 4 ohne Rest teilbar ist;</a:t>
+            </a:r>
+          </a:p>
+          <a:p>
+            <a:r>
+              <a:rPr lang="de-DE" dirty="0"/>
+              <a:t>außer wenn dieses Jahr auch durch 100 ohne Rest teilbar ist;</a:t>
+            </a:r>
+          </a:p>
+          <a:p>
+            <a:r>
+              <a:rPr lang="de-DE" dirty="0"/>
+              <a:t>es sei denn, dieses Jahr ist auch durch 400 ohne Rest teilbar.</a:t>
             </a:r>
           </a:p>
           <a:p>
             <a:pPr marL="0" indent="0">
               <a:buNone/>
             </a:pPr>
-            <a:r>
-              <a:rPr lang="de-DE" dirty="0" smtClean="0"/>
-              <a:t/>
-            </a:r>
             <a:br>
-              <a:rPr lang="de-DE" dirty="0" smtClean="0"/>
+              <a:rPr lang="de-DE" dirty="0"/>
             </a:br>
             <a:r>
-              <a:rPr lang="de-DE" dirty="0" smtClean="0"/>
-              <a:t>Verwende </a:t>
-            </a:r>
-            <a:r>
-              <a:rPr lang="de-DE" dirty="0"/>
-              <a:t>dafür einen Funktionsaufruf indem das eingegebene Jahr </a:t>
-            </a:r>
-            <a:r>
-              <a:rPr lang="de-DE" dirty="0" smtClean="0"/>
-              <a:t>als Parameter </a:t>
-            </a:r>
-            <a:r>
-              <a:rPr lang="de-DE" dirty="0"/>
-              <a:t>der Funktion übergeben wird</a:t>
+              <a:rPr lang="de-DE" dirty="0"/>
+              <a:t>Verwende dafür einen Funktionsaufruf indem das eingegebene Jahr als Parameter der Funktion übergeben wird</a:t>
             </a:r>
           </a:p>
           <a:p>
@@ -13174,13 +12569,6 @@
   <p:clrMapOvr>
     <a:masterClrMapping/>
   </p:clrMapOvr>
-  <p:timing>
-    <p:tnLst>
-      <p:par>
-        <p:cTn id="1" dur="indefinite" restart="never" nodeType="tmRoot"/>
-      </p:par>
-    </p:tnLst>
-  </p:timing>
 </p:sld>
 </file>
 
@@ -13217,7 +12605,7 @@
           <a:lstStyle/>
           <a:p>
             <a:r>
-              <a:rPr lang="de-AT" dirty="0" smtClean="0"/>
+              <a:rPr lang="de-AT" dirty="0"/>
               <a:t>JavaScript Übungen als Wiederholung</a:t>
             </a:r>
             <a:endParaRPr lang="en-US" dirty="0"/>
@@ -13243,37 +12631,30 @@
               <a:rPr lang="de-AT" dirty="0">
                 <a:hlinkClick r:id="rId2"/>
               </a:rPr>
-              <a:t>https://</a:t>
-            </a:r>
-            <a:r>
-              <a:rPr lang="de-AT" dirty="0" smtClean="0">
-                <a:hlinkClick r:id="rId2"/>
-              </a:rPr>
-              <a:t>www.w3schools.com/js/exercise_js.asp?filename=exercise_js_functions1</a:t>
-            </a:r>
-            <a:r>
-              <a:rPr lang="de-AT" dirty="0" smtClean="0"/>
+              <a:t>https://www.w3schools.com/js/exercise_js.asp?filename=exercise_js_functions1</a:t>
+            </a:r>
+            <a:r>
+              <a:rPr lang="de-AT" dirty="0"/>
               <a:t>  </a:t>
             </a:r>
+          </a:p>
+          <a:p>
+            <a:r>
+              <a:rPr lang="de-AT" dirty="0" err="1"/>
+              <a:t>Functions</a:t>
+            </a:r>
             <a:endParaRPr lang="de-AT" dirty="0"/>
           </a:p>
           <a:p>
             <a:r>
-              <a:rPr lang="de-AT" dirty="0" err="1" smtClean="0"/>
-              <a:t>Functions</a:t>
-            </a:r>
-            <a:endParaRPr lang="de-AT" dirty="0" smtClean="0"/>
-          </a:p>
-          <a:p>
-            <a:r>
-              <a:rPr lang="de-AT" dirty="0" err="1" smtClean="0"/>
+              <a:rPr lang="de-AT" dirty="0" err="1"/>
               <a:t>Conditions</a:t>
             </a:r>
-            <a:endParaRPr lang="de-AT" dirty="0" smtClean="0"/>
-          </a:p>
-          <a:p>
-            <a:r>
-              <a:rPr lang="de-AT" dirty="0" smtClean="0"/>
+            <a:endParaRPr lang="de-AT" dirty="0"/>
+          </a:p>
+          <a:p>
+            <a:r>
+              <a:rPr lang="de-AT" dirty="0"/>
               <a:t>Switch</a:t>
             </a:r>
           </a:p>
@@ -13333,13 +12714,6 @@
   <p:clrMapOvr>
     <a:masterClrMapping/>
   </p:clrMapOvr>
-  <p:timing>
-    <p:tnLst>
-      <p:par>
-        <p:cTn id="1" dur="indefinite" restart="never" nodeType="tmRoot"/>
-      </p:par>
-    </p:tnLst>
-  </p:timing>
 </p:sld>
 </file>
 
@@ -13405,7 +12779,7 @@
           <a:lstStyle/>
           <a:p>
             <a:r>
-              <a:rPr lang="de-AT" dirty="0" smtClean="0"/>
+              <a:rPr lang="de-AT" dirty="0"/>
               <a:t>Wiederholung zu Funktionen &amp; Verzweigungen</a:t>
             </a:r>
             <a:endParaRPr lang="en-US" dirty="0"/>
@@ -13435,52 +12809,43 @@
           <a:lstStyle/>
           <a:p>
             <a:r>
-              <a:rPr lang="de-DE" dirty="0" smtClean="0"/>
-              <a:t>Schreibe </a:t>
-            </a:r>
-            <a:r>
-              <a:rPr lang="de-DE" dirty="0"/>
-              <a:t>ein Programm, das </a:t>
-            </a:r>
-            <a:r>
-              <a:rPr lang="de-DE" dirty="0" smtClean="0"/>
-              <a:t>den Body-</a:t>
-            </a:r>
-            <a:r>
-              <a:rPr lang="de-DE" dirty="0" err="1" smtClean="0"/>
+              <a:rPr lang="de-DE" dirty="0"/>
+              <a:t>Schreibe ein Programm, das den Body-</a:t>
+            </a:r>
+            <a:r>
+              <a:rPr lang="de-DE" dirty="0" err="1"/>
               <a:t>Mass</a:t>
             </a:r>
             <a:r>
-              <a:rPr lang="de-DE" dirty="0" smtClean="0"/>
+              <a:rPr lang="de-DE" dirty="0"/>
               <a:t>-Index berechnet</a:t>
             </a:r>
           </a:p>
           <a:p>
             <a:r>
-              <a:rPr lang="de-DE" dirty="0" smtClean="0"/>
+              <a:rPr lang="de-DE" dirty="0"/>
               <a:t>Erzeuge 2 Prompts in denen der Benutzer seine Größe (m) und sein Gewicht (kg) eingeben kann</a:t>
             </a:r>
           </a:p>
           <a:p>
             <a:r>
-              <a:rPr lang="de-DE" dirty="0" smtClean="0"/>
+              <a:rPr lang="de-DE" dirty="0"/>
               <a:t>Das Programm berechnet mit der nebenstehenden Formel den BMI und gibt diesen, gemeinsam mit der Kategorie, in einem Alert aus</a:t>
             </a:r>
           </a:p>
           <a:p>
             <a:r>
-              <a:rPr lang="de-DE" dirty="0" smtClean="0"/>
+              <a:rPr lang="de-DE" dirty="0"/>
               <a:t>Verwende für die Berechnung eine Funktion in der die eingegebenen Größen als Parameter übergeben werden und das Ergebnis über „</a:t>
             </a:r>
             <a:r>
-              <a:rPr lang="de-DE" dirty="0" err="1" smtClean="0"/>
+              <a:rPr lang="de-DE" dirty="0" err="1"/>
               <a:t>return</a:t>
             </a:r>
             <a:r>
-              <a:rPr lang="de-DE" dirty="0" smtClean="0"/>
+              <a:rPr lang="de-DE" dirty="0"/>
               <a:t>“ zurückgegeben wird</a:t>
             </a:r>
-            <a:endParaRPr lang="de-DE" dirty="0"/>
           </a:p>
           <a:p>
             <a:endParaRPr lang="en-US" dirty="0"/>
@@ -13497,13 +12862,6 @@
   <p:clrMapOvr>
     <a:masterClrMapping/>
   </p:clrMapOvr>
-  <p:timing>
-    <p:tnLst>
-      <p:par>
-        <p:cTn id="1" dur="indefinite" restart="never" nodeType="tmRoot"/>
-      </p:par>
-    </p:tnLst>
-  </p:timing>
 </p:sld>
 </file>
 
@@ -13540,7 +12898,7 @@
                 <a16:creationId xmlns:a16="http://schemas.microsoft.com/office/drawing/2014/main" id="{BE229233-9672-4675-99B7-6CBCEF1CD415}"/>
               </a:ext>
               <a:ext uri="{C183D7F6-B498-43B3-948B-1728B52AA6E4}">
-                <adec:decorative xmlns="" xmlns:adec="http://schemas.microsoft.com/office/drawing/2017/decorative" val="1"/>
+                <adec:decorative xmlns:adec="http://schemas.microsoft.com/office/drawing/2017/decorative" val="1"/>
               </a:ext>
             </a:extLst>
           </p:cNvPr>
@@ -13635,7 +12993,7 @@
                 <a16:creationId xmlns:a16="http://schemas.microsoft.com/office/drawing/2014/main" id="{EC5FF010-B53C-46BE-BEEF-AF926A00F67F}"/>
               </a:ext>
               <a:ext uri="{C183D7F6-B498-43B3-948B-1728B52AA6E4}">
-                <adec:decorative xmlns="" xmlns:adec="http://schemas.microsoft.com/office/drawing/2017/decorative" val="1"/>
+                <adec:decorative xmlns:adec="http://schemas.microsoft.com/office/drawing/2017/decorative" val="1"/>
               </a:ext>
             </a:extLst>
           </p:cNvPr>
@@ -13701,7 +13059,7 @@
                 <a16:creationId xmlns:a16="http://schemas.microsoft.com/office/drawing/2014/main" id="{8509AD9C-1F43-4138-A72B-8CA988EDD475}"/>
               </a:ext>
               <a:ext uri="{C183D7F6-B498-43B3-948B-1728B52AA6E4}">
-                <adec:decorative xmlns="" xmlns:adec="http://schemas.microsoft.com/office/drawing/2017/decorative" val="1"/>
+                <adec:decorative xmlns:adec="http://schemas.microsoft.com/office/drawing/2017/decorative" val="1"/>
               </a:ext>
             </a:extLst>
           </p:cNvPr>
@@ -13788,11 +13146,11 @@
           <a:lstStyle/>
           <a:p>
             <a:r>
-              <a:rPr lang="de-AT" sz="3200" dirty="0" smtClean="0"/>
+              <a:rPr lang="de-AT" sz="3200" dirty="0"/>
               <a:t>JS </a:t>
             </a:r>
             <a:r>
-              <a:rPr lang="de-AT" sz="3200" dirty="0" err="1" smtClean="0"/>
+              <a:rPr lang="de-AT" sz="3200" dirty="0" err="1"/>
               <a:t>Math</a:t>
             </a:r>
             <a:endParaRPr lang="de-AT" sz="3200" dirty="0"/>
@@ -13850,13 +13208,6 @@
   <p:clrMapOvr>
     <a:masterClrMapping/>
   </p:clrMapOvr>
-  <p:timing>
-    <p:tnLst>
-      <p:par>
-        <p:cTn id="1" dur="indefinite" restart="never" nodeType="tmRoot"/>
-      </p:par>
-    </p:tnLst>
-  </p:timing>
 </p:sld>
 </file>
 
@@ -13893,16 +13244,12 @@
           <a:lstStyle/>
           <a:p>
             <a:r>
-              <a:rPr lang="de-DE" dirty="0" smtClean="0"/>
+              <a:rPr lang="de-DE" dirty="0"/>
               <a:t>JavaScript </a:t>
             </a:r>
             <a:r>
               <a:rPr lang="de-DE" dirty="0" err="1"/>
               <a:t>Math</a:t>
-            </a:r>
-            <a:r>
-              <a:rPr lang="de-DE" dirty="0"/>
-              <a:t/>
             </a:r>
             <a:br>
               <a:rPr lang="de-DE" dirty="0"/>
@@ -13934,12 +13281,8 @@
           <a:lstStyle/>
           <a:p>
             <a:r>
-              <a:rPr lang="de-DE" dirty="0" smtClean="0"/>
-              <a:t>JavaScript </a:t>
-            </a:r>
-            <a:r>
-              <a:rPr lang="de-DE" dirty="0"/>
-              <a:t>bietet das </a:t>
+              <a:rPr lang="de-DE" dirty="0"/>
+              <a:t>JavaScript bietet das </a:t>
             </a:r>
             <a:r>
               <a:rPr lang="de-DE" dirty="0" err="1"/>
@@ -13952,22 +13295,14 @@
           </a:p>
           <a:p>
             <a:r>
-              <a:rPr lang="de-DE" dirty="0" smtClean="0"/>
-              <a:t>Es </a:t>
-            </a:r>
-            <a:r>
-              <a:rPr lang="de-DE" dirty="0"/>
-              <a:t>enthält verschiedene Eigenschaften und Methoden für häufige mathematische Aufgaben.</a:t>
-            </a:r>
-          </a:p>
-          <a:p>
-            <a:r>
-              <a:rPr lang="de-DE" dirty="0" smtClean="0"/>
-              <a:t>Einige </a:t>
-            </a:r>
-            <a:r>
-              <a:rPr lang="de-DE" dirty="0"/>
-              <a:t>häufig verwendete Methoden sind </a:t>
+              <a:rPr lang="de-DE" dirty="0"/>
+              <a:t>Es enthält verschiedene Eigenschaften und Methoden für häufige mathematische Aufgaben.</a:t>
+            </a:r>
+          </a:p>
+          <a:p>
+            <a:r>
+              <a:rPr lang="de-DE" dirty="0"/>
+              <a:t>Einige häufig verwendete Methoden sind </a:t>
             </a:r>
             <a:r>
               <a:rPr lang="de-DE" dirty="0" err="1"/>
@@ -14012,7 +13347,7 @@
           </a:p>
           <a:p>
             <a:r>
-              <a:rPr lang="de-DE" dirty="0" smtClean="0"/>
+              <a:rPr lang="de-DE" dirty="0"/>
               <a:t>Das </a:t>
             </a:r>
             <a:r>
@@ -14034,12 +13369,8 @@
           </a:p>
           <a:p>
             <a:r>
-              <a:rPr lang="de-DE" dirty="0" smtClean="0"/>
-              <a:t>Zusätzlich </a:t>
-            </a:r>
-            <a:r>
-              <a:rPr lang="de-DE" dirty="0"/>
-              <a:t>bietet es Methoden wie </a:t>
+              <a:rPr lang="de-DE" dirty="0"/>
+              <a:t>Zusätzlich bietet es Methoden wie </a:t>
             </a:r>
             <a:r>
               <a:rPr lang="de-DE" dirty="0" err="1"/>
@@ -14047,33 +13378,24 @@
             </a:r>
             <a:r>
               <a:rPr lang="de-DE" dirty="0"/>
-              <a:t>() zur Berechnung des absoluten Werts </a:t>
-            </a:r>
-            <a:r>
-              <a:rPr lang="de-DE" dirty="0" smtClean="0"/>
-              <a:t>,</a:t>
-            </a:r>
-            <a:r>
-              <a:rPr lang="de-DE" dirty="0" err="1" smtClean="0"/>
+              <a:t>() zur Berechnung des absoluten Werts ,</a:t>
+            </a:r>
+            <a:r>
+              <a:rPr lang="de-DE" dirty="0" err="1"/>
               <a:t>Math.pow</a:t>
             </a:r>
             <a:r>
               <a:rPr lang="de-DE" dirty="0"/>
-              <a:t>() für die </a:t>
-            </a:r>
-            <a:r>
-              <a:rPr lang="de-DE" dirty="0" smtClean="0"/>
-              <a:t>Potenzierung und </a:t>
-            </a:r>
-            <a:r>
-              <a:rPr lang="de-DE" dirty="0" err="1" smtClean="0"/>
+              <a:t>() für die Potenzierung und </a:t>
+            </a:r>
+            <a:r>
+              <a:rPr lang="de-DE" dirty="0" err="1"/>
               <a:t>Math.sqrt</a:t>
             </a:r>
             <a:r>
-              <a:rPr lang="de-DE" dirty="0" smtClean="0"/>
+              <a:rPr lang="de-DE" dirty="0"/>
               <a:t>() um die Quadratwurzel zu berechnen</a:t>
             </a:r>
-            <a:endParaRPr lang="de-DE" dirty="0"/>
           </a:p>
           <a:p>
             <a:endParaRPr lang="de-DE" dirty="0"/>
@@ -14129,19 +13451,12 @@
               <a:rPr lang="en-US" sz="1400" dirty="0">
                 <a:hlinkClick r:id="rId3"/>
               </a:rPr>
-              <a:t>https://</a:t>
-            </a:r>
-            <a:r>
-              <a:rPr lang="en-US" sz="1400" dirty="0" smtClean="0">
-                <a:hlinkClick r:id="rId3"/>
-              </a:rPr>
-              <a:t>www.w3schools.com/js/js_math.asp</a:t>
-            </a:r>
-            <a:r>
-              <a:rPr lang="en-US" sz="1400" dirty="0" smtClean="0"/>
+              <a:t>https://www.w3schools.com/js/js_math.asp</a:t>
+            </a:r>
+            <a:r>
+              <a:rPr lang="en-US" sz="1400" dirty="0"/>
               <a:t> </a:t>
             </a:r>
-            <a:endParaRPr lang="en-US" sz="1400" dirty="0"/>
           </a:p>
         </p:txBody>
       </p:sp>
@@ -14191,7 +13506,7 @@
           <a:lstStyle/>
           <a:p>
             <a:r>
-              <a:rPr lang="de-AT" dirty="0" smtClean="0"/>
+              <a:rPr lang="de-AT" dirty="0"/>
               <a:t>Kommentare im Code</a:t>
             </a:r>
             <a:endParaRPr lang="en-US" dirty="0"/>
@@ -14215,32 +13530,19 @@
           <a:p>
             <a:r>
               <a:rPr lang="de-DE" dirty="0"/>
-              <a:t>Man kann Kommentare im Code schreiben, die nicht als Code interpretiert </a:t>
-            </a:r>
-            <a:r>
-              <a:rPr lang="de-DE" dirty="0" smtClean="0"/>
-              <a:t>werden </a:t>
-            </a:r>
-          </a:p>
-          <a:p>
-            <a:r>
-              <a:rPr lang="de-DE" dirty="0" smtClean="0"/>
-              <a:t>Mit </a:t>
-            </a:r>
-            <a:r>
-              <a:rPr lang="de-DE" dirty="0"/>
-              <a:t>// wird der Rest der Zeile als Kommentar interpretiert. </a:t>
-            </a:r>
-            <a:endParaRPr lang="de-DE" dirty="0" smtClean="0"/>
-          </a:p>
-          <a:p>
-            <a:r>
-              <a:rPr lang="de-DE" dirty="0" smtClean="0"/>
-              <a:t>Mit </a:t>
-            </a:r>
-            <a:r>
-              <a:rPr lang="de-DE" dirty="0"/>
-              <a:t>/* wir alles bis zum folgenden */ als Kommentar interpretiert, auch mehrzeilig.</a:t>
+              <a:t>Man kann Kommentare im Code schreiben, die nicht als Code interpretiert werden </a:t>
+            </a:r>
+          </a:p>
+          <a:p>
+            <a:r>
+              <a:rPr lang="de-DE" dirty="0"/>
+              <a:t>Mit // wird der Rest der Zeile als Kommentar interpretiert. </a:t>
+            </a:r>
+          </a:p>
+          <a:p>
+            <a:r>
+              <a:rPr lang="de-DE" dirty="0"/>
+              <a:t>Mit /* wir alles bis zum folgenden */ als Kommentar interpretiert, auch mehrzeilig.</a:t>
             </a:r>
             <a:endParaRPr lang="en-US" dirty="0"/>
           </a:p>
@@ -14556,7 +13858,7 @@
           <a:lstStyle/>
           <a:p>
             <a:r>
-              <a:rPr lang="de-AT" dirty="0" smtClean="0"/>
+              <a:rPr lang="de-AT" dirty="0"/>
               <a:t>Codier-Rätsel „virtueller Würfel“</a:t>
             </a:r>
             <a:endParaRPr lang="en-US" dirty="0"/>
@@ -14584,27 +13886,27 @@
           <a:lstStyle/>
           <a:p>
             <a:r>
-              <a:rPr lang="de-AT" dirty="0" smtClean="0"/>
+              <a:rPr lang="de-AT" dirty="0"/>
               <a:t>Schreibe ein Programm um das Werfen eines Würfels zu simulieren. </a:t>
             </a:r>
           </a:p>
           <a:p>
             <a:r>
-              <a:rPr lang="de-AT" dirty="0" smtClean="0"/>
+              <a:rPr lang="de-AT" dirty="0"/>
               <a:t>Es soll also jedes Mal wenn es ausgeführt wird eine Zufallszahl (ganzzahlig) zwischen 1 und 6 erzeugen und über console.log ausgeben</a:t>
             </a:r>
           </a:p>
           <a:p>
             <a:r>
-              <a:rPr lang="de-AT" dirty="0" smtClean="0"/>
+              <a:rPr lang="de-AT" dirty="0"/>
               <a:t>Verwende dafür JS </a:t>
             </a:r>
             <a:r>
-              <a:rPr lang="de-AT" dirty="0" err="1" smtClean="0"/>
+              <a:rPr lang="de-AT" dirty="0" err="1"/>
               <a:t>Math</a:t>
             </a:r>
             <a:r>
-              <a:rPr lang="de-AT" dirty="0" smtClean="0"/>
+              <a:rPr lang="de-AT" dirty="0"/>
               <a:t> Methoden  </a:t>
             </a:r>
           </a:p>
@@ -14659,16 +13961,12 @@
           <a:lstStyle/>
           <a:p>
             <a:r>
-              <a:rPr lang="de-DE" dirty="0" err="1" smtClean="0"/>
+              <a:rPr lang="de-DE" dirty="0" err="1"/>
               <a:t>Math.random</a:t>
             </a:r>
             <a:r>
-              <a:rPr lang="de-DE" dirty="0" smtClean="0"/>
+              <a:rPr lang="de-DE" dirty="0"/>
               <a:t>()</a:t>
-            </a:r>
-            <a:r>
-              <a:rPr lang="de-DE" dirty="0"/>
-              <a:t/>
             </a:r>
             <a:br>
               <a:rPr lang="de-DE" dirty="0"/>
@@ -14904,13 +14202,6 @@
   <p:clrMapOvr>
     <a:masterClrMapping/>
   </p:clrMapOvr>
-  <p:timing>
-    <p:tnLst>
-      <p:par>
-        <p:cTn id="1" dur="indefinite" restart="never" nodeType="tmRoot"/>
-      </p:par>
-    </p:tnLst>
-  </p:timing>
 </p:sld>
 </file>
 
@@ -15014,39 +14305,39 @@
           <a:p>
             <a:pPr algn="ctr"/>
             <a:r>
-              <a:rPr lang="en-US" dirty="0" err="1" smtClean="0"/>
+              <a:rPr lang="en-US" dirty="0" err="1"/>
               <a:t>Wie</a:t>
             </a:r>
             <a:r>
-              <a:rPr lang="en-US" dirty="0" smtClean="0"/>
+              <a:rPr lang="en-US" dirty="0"/>
               <a:t> </a:t>
             </a:r>
             <a:r>
-              <a:rPr lang="en-US" dirty="0" err="1" smtClean="0"/>
+              <a:rPr lang="en-US" dirty="0" err="1"/>
               <a:t>Entwickler</a:t>
             </a:r>
             <a:r>
-              <a:rPr lang="en-US" dirty="0" smtClean="0"/>
+              <a:rPr lang="en-US" dirty="0"/>
               <a:t> </a:t>
             </a:r>
             <a:r>
-              <a:rPr lang="en-US" dirty="0" err="1" smtClean="0"/>
+              <a:rPr lang="en-US" dirty="0" err="1"/>
               <a:t>häufig</a:t>
             </a:r>
             <a:r>
-              <a:rPr lang="en-US" dirty="0" smtClean="0"/>
+              <a:rPr lang="en-US" dirty="0"/>
               <a:t> </a:t>
             </a:r>
             <a:r>
-              <a:rPr lang="en-US" dirty="0" err="1" smtClean="0"/>
+              <a:rPr lang="en-US" dirty="0" err="1"/>
               <a:t>ihren</a:t>
             </a:r>
             <a:r>
-              <a:rPr lang="en-US" dirty="0" smtClean="0"/>
+              <a:rPr lang="en-US" dirty="0"/>
               <a:t> Code </a:t>
             </a:r>
             <a:r>
-              <a:rPr lang="en-US" dirty="0" err="1" smtClean="0"/>
+              <a:rPr lang="en-US" dirty="0" err="1"/>
               <a:t>kommentieren</a:t>
             </a:r>
             <a:endParaRPr lang="en-US" dirty="0"/>
@@ -15063,13 +14354,6 @@
   <p:clrMapOvr>
     <a:masterClrMapping/>
   </p:clrMapOvr>
-  <p:timing>
-    <p:tnLst>
-      <p:par>
-        <p:cTn id="1" dur="indefinite" restart="never" nodeType="tmRoot"/>
-      </p:par>
-    </p:tnLst>
-  </p:timing>
 </p:sld>
 </file>
 
@@ -15106,23 +14390,23 @@
           <a:lstStyle/>
           <a:p>
             <a:r>
-              <a:rPr lang="de-AT" dirty="0" smtClean="0"/>
+              <a:rPr lang="de-AT" dirty="0"/>
               <a:t>Top 5 der </a:t>
             </a:r>
             <a:r>
-              <a:rPr lang="de-AT" dirty="0" err="1" smtClean="0"/>
+              <a:rPr lang="de-AT" dirty="0" err="1"/>
               <a:t>worst</a:t>
             </a:r>
             <a:r>
-              <a:rPr lang="de-AT" dirty="0" smtClean="0"/>
+              <a:rPr lang="de-AT" dirty="0"/>
               <a:t> </a:t>
             </a:r>
             <a:r>
-              <a:rPr lang="de-AT" dirty="0" err="1" smtClean="0"/>
+              <a:rPr lang="de-AT" dirty="0" err="1"/>
               <a:t>practices</a:t>
             </a:r>
             <a:r>
-              <a:rPr lang="de-AT" dirty="0" smtClean="0"/>
+              <a:rPr lang="de-AT" dirty="0"/>
               <a:t> für Kommentare</a:t>
             </a:r>
             <a:endParaRPr lang="en-US" dirty="0"/>
@@ -15152,62 +14436,42 @@
           <a:lstStyle/>
           <a:p>
             <a:r>
-              <a:rPr lang="de-DE" b="1" dirty="0" smtClean="0"/>
+              <a:rPr lang="de-DE" b="1" dirty="0"/>
               <a:t>Irreführend</a:t>
             </a:r>
-            <a:endParaRPr lang="de-DE" dirty="0" smtClean="0"/>
+            <a:endParaRPr lang="de-DE" dirty="0"/>
           </a:p>
           <a:p>
             <a:pPr lvl="1"/>
             <a:r>
-              <a:rPr lang="de-DE" dirty="0" smtClean="0"/>
-              <a:t>Kommentare</a:t>
-            </a:r>
-            <a:r>
-              <a:rPr lang="de-DE" dirty="0"/>
-              <a:t>, die falsche oder irreführende Informationen enthalten und den Leser in die Irre führen können</a:t>
-            </a:r>
-            <a:r>
-              <a:rPr lang="de-DE" dirty="0" smtClean="0"/>
-              <a:t>.</a:t>
+              <a:rPr lang="de-DE" dirty="0"/>
+              <a:t>Kommentare, die falsche oder irreführende Informationen enthalten und den Leser in die Irre führen können.</a:t>
             </a:r>
           </a:p>
           <a:p>
             <a:pPr lvl="1"/>
             <a:r>
-              <a:rPr lang="en-US" dirty="0" err="1" smtClean="0"/>
+              <a:rPr lang="en-US" dirty="0" err="1"/>
               <a:t>closeSocketWithTimeout</a:t>
             </a:r>
             <a:r>
-              <a:rPr lang="en-US" dirty="0" smtClean="0"/>
-              <a:t>(500); </a:t>
-            </a:r>
-            <a:r>
               <a:rPr lang="en-US" dirty="0"/>
-              <a:t>// close socket after 500ms </a:t>
-            </a:r>
-            <a:endParaRPr lang="de-DE" dirty="0" smtClean="0"/>
-          </a:p>
-          <a:p>
-            <a:r>
-              <a:rPr lang="de-DE" b="1" dirty="0" smtClean="0"/>
+              <a:t>(500); // close socket after 500ms </a:t>
+            </a:r>
+            <a:endParaRPr lang="de-DE" dirty="0"/>
+          </a:p>
+          <a:p>
+            <a:r>
+              <a:rPr lang="de-DE" b="1" dirty="0"/>
               <a:t>Überflüssig</a:t>
             </a:r>
-            <a:endParaRPr lang="de-DE" dirty="0" smtClean="0"/>
+            <a:endParaRPr lang="de-DE" dirty="0"/>
           </a:p>
           <a:p>
             <a:pPr lvl="1"/>
             <a:r>
-              <a:rPr lang="de-DE" dirty="0" smtClean="0"/>
-              <a:t>Kommentare</a:t>
-            </a:r>
-            <a:r>
-              <a:rPr lang="de-DE" dirty="0"/>
-              <a:t>, die offensichtlichen Code beschreiben oder Informationen enthalten, die bereits durch den Code selbst klar sind</a:t>
-            </a:r>
-            <a:r>
-              <a:rPr lang="de-DE" dirty="0" smtClean="0"/>
-              <a:t>.</a:t>
+              <a:rPr lang="de-DE" dirty="0"/>
+              <a:t>Kommentare, die offensichtlichen Code beschreiben oder Informationen enthalten, die bereits durch den Code selbst klar sind.</a:t>
             </a:r>
           </a:p>
           <a:p>
@@ -15225,40 +14489,28 @@
               <a:t>buttonClick</a:t>
             </a:r>
             <a:r>
-              <a:rPr lang="en-US" dirty="0" smtClean="0"/>
-              <a:t>); // </a:t>
-            </a:r>
-            <a:r>
               <a:rPr lang="en-US" dirty="0"/>
-              <a:t>wait for button </a:t>
-            </a:r>
-            <a:r>
-              <a:rPr lang="en-US" dirty="0" smtClean="0"/>
-              <a:t>event</a:t>
-            </a:r>
-            <a:endParaRPr lang="de-DE" dirty="0" smtClean="0"/>
-          </a:p>
-          <a:p>
-            <a:r>
-              <a:rPr lang="de-DE" b="1" dirty="0" smtClean="0"/>
+              <a:t>); // wait for button event</a:t>
+            </a:r>
+            <a:endParaRPr lang="de-DE" dirty="0"/>
+          </a:p>
+          <a:p>
+            <a:r>
+              <a:rPr lang="de-DE" b="1" dirty="0"/>
               <a:t>Veraltet</a:t>
             </a:r>
-            <a:endParaRPr lang="de-DE" dirty="0" smtClean="0"/>
+            <a:endParaRPr lang="de-DE" dirty="0"/>
           </a:p>
           <a:p>
             <a:pPr lvl="1"/>
             <a:r>
-              <a:rPr lang="de-DE" dirty="0" smtClean="0"/>
-              <a:t>Kommentare</a:t>
-            </a:r>
-            <a:r>
-              <a:rPr lang="de-DE" dirty="0"/>
-              <a:t>, die nicht mit dem aktualisierten Code synchronisiert sind und somit falsche oder verwirrende Informationen enthalten.</a:t>
-            </a:r>
-          </a:p>
-          <a:p>
-            <a:r>
-              <a:rPr lang="de-DE" b="1" dirty="0" smtClean="0"/>
+              <a:rPr lang="de-DE" dirty="0"/>
+              <a:t>Kommentare, die nicht mit dem aktualisierten Code synchronisiert sind und somit falsche oder verwirrende Informationen enthalten.</a:t>
+            </a:r>
+          </a:p>
+          <a:p>
+            <a:r>
+              <a:rPr lang="de-DE" b="1" dirty="0"/>
               <a:t>Unverständlich</a:t>
             </a:r>
             <a:endParaRPr lang="de-DE" dirty="0"/>
@@ -15266,33 +14518,25 @@
           <a:p>
             <a:pPr lvl="1"/>
             <a:r>
-              <a:rPr lang="de-DE" dirty="0" smtClean="0"/>
-              <a:t>Kommentare</a:t>
-            </a:r>
-            <a:r>
-              <a:rPr lang="de-DE" dirty="0"/>
-              <a:t>, die unklar oder schlecht formuliert sind, und daher keinen klaren Kontext oder Sinn für den Code liefern</a:t>
-            </a:r>
-            <a:r>
-              <a:rPr lang="de-DE" dirty="0" smtClean="0"/>
-              <a:t>.</a:t>
-            </a:r>
-          </a:p>
-          <a:p>
-            <a:r>
-              <a:rPr lang="de-DE" b="1" dirty="0" smtClean="0"/>
+              <a:rPr lang="de-DE" dirty="0"/>
+              <a:t>Kommentare, die unklar oder schlecht formuliert sind, und daher keinen klaren Kontext oder Sinn für den Code liefern.</a:t>
+            </a:r>
+          </a:p>
+          <a:p>
+            <a:r>
+              <a:rPr lang="de-DE" b="1" dirty="0"/>
               <a:t>Auskommentierter Code</a:t>
             </a:r>
-            <a:endParaRPr lang="de-DE" dirty="0" smtClean="0"/>
+            <a:endParaRPr lang="de-DE" dirty="0"/>
           </a:p>
           <a:p>
             <a:pPr lvl="1"/>
             <a:r>
-              <a:rPr lang="de-DE" dirty="0" smtClean="0"/>
+              <a:rPr lang="de-DE" dirty="0"/>
               <a:t>//</a:t>
             </a:r>
             <a:r>
-              <a:rPr lang="de-DE" dirty="0" err="1" smtClean="0"/>
+              <a:rPr lang="de-DE" dirty="0" err="1"/>
               <a:t>sendMessage</a:t>
             </a:r>
             <a:r>
@@ -15304,10 +14548,9 @@
               <a:t>hello</a:t>
             </a:r>
             <a:r>
-              <a:rPr lang="de-DE" dirty="0" smtClean="0"/>
+              <a:rPr lang="de-DE" dirty="0"/>
               <a:t>“);</a:t>
             </a:r>
-            <a:endParaRPr lang="de-DE" dirty="0"/>
           </a:p>
         </p:txBody>
       </p:sp>
@@ -16032,15 +15275,15 @@
           <a:lstStyle/>
           <a:p>
             <a:r>
-              <a:rPr lang="de-AT" dirty="0" smtClean="0"/>
+              <a:rPr lang="de-AT" dirty="0"/>
               <a:t>Best </a:t>
             </a:r>
             <a:r>
-              <a:rPr lang="de-AT" dirty="0" err="1" smtClean="0"/>
+              <a:rPr lang="de-AT" dirty="0" err="1"/>
               <a:t>practices</a:t>
             </a:r>
             <a:r>
-              <a:rPr lang="de-AT" dirty="0" smtClean="0"/>
+              <a:rPr lang="de-AT" dirty="0"/>
               <a:t> für Kommentare</a:t>
             </a:r>
             <a:endParaRPr lang="en-US" dirty="0"/>
@@ -16068,7 +15311,7 @@
           <a:lstStyle/>
           <a:p>
             <a:r>
-              <a:rPr lang="de-AT" dirty="0" smtClean="0"/>
+              <a:rPr lang="de-AT" dirty="0"/>
               <a:t>Kommentare sollten…</a:t>
             </a:r>
           </a:p>
@@ -16076,39 +15319,35 @@
             <a:pPr lvl="1"/>
             <a:r>
               <a:rPr lang="de-AT" dirty="0"/>
-              <a:t>d</a:t>
-            </a:r>
-            <a:r>
-              <a:rPr lang="de-AT" dirty="0" smtClean="0"/>
-              <a:t>as „Warum“ und nicht das „Was“ beschreiben</a:t>
+              <a:t>das „Warum“ und nicht das „Was“ beschreiben</a:t>
             </a:r>
           </a:p>
           <a:p>
             <a:pPr lvl="1"/>
             <a:r>
-              <a:rPr lang="de-AT" dirty="0" smtClean="0"/>
+              <a:rPr lang="de-AT" dirty="0"/>
               <a:t>// Ergebnis der Berechnung wird verwendet um die Farben der Balken des Diagramms zu bestimmen</a:t>
             </a:r>
           </a:p>
           <a:p>
             <a:pPr lvl="1"/>
             <a:r>
-              <a:rPr lang="de-AT" dirty="0" smtClean="0"/>
+              <a:rPr lang="de-AT" dirty="0"/>
               <a:t>// Hier wird eine Berechnung durchgeführt bei der ein </a:t>
             </a:r>
             <a:r>
-              <a:rPr lang="de-AT" dirty="0" err="1" smtClean="0"/>
+              <a:rPr lang="de-AT" dirty="0" err="1"/>
               <a:t>hsl</a:t>
             </a:r>
             <a:r>
-              <a:rPr lang="de-AT" dirty="0" smtClean="0"/>
+              <a:rPr lang="de-AT" dirty="0"/>
               <a:t>-Wert durch die Anzahl der Schritte dividiert wird</a:t>
             </a:r>
             <a:br>
-              <a:rPr lang="de-AT" dirty="0" smtClean="0"/>
+              <a:rPr lang="de-AT" dirty="0"/>
             </a:br>
             <a:r>
-              <a:rPr lang="de-AT" dirty="0" smtClean="0"/>
+              <a:rPr lang="de-AT" dirty="0"/>
               <a:t>und so ein neuer Farbenwert erzeugt wird </a:t>
             </a:r>
             <a:endParaRPr lang="en-US" dirty="0"/>
@@ -16131,7 +15370,7 @@
         </p:blipFill>
         <p:spPr>
           <a:xfrm>
-            <a:off x="1076496" y="4510454"/>
+            <a:off x="952500" y="4829631"/>
             <a:ext cx="5340984" cy="1485900"/>
           </a:xfrm>
           <a:prstGeom prst="rect">
@@ -16326,14 +15565,14 @@
           </a:lstStyle>
           <a:p>
             <a:r>
-              <a:rPr lang="de-AT" dirty="0" smtClean="0"/>
+              <a:rPr lang="de-AT" dirty="0"/>
               <a:t>Überlege 2 mal </a:t>
             </a:r>
           </a:p>
           <a:p>
             <a:pPr lvl="1"/>
             <a:r>
-              <a:rPr lang="de-AT" dirty="0" smtClean="0"/>
+              <a:rPr lang="de-AT" dirty="0"/>
               <a:t>ob ein Kommentar wirklich notwendig ist</a:t>
             </a:r>
           </a:p>
@@ -16341,15 +15580,11 @@
             <a:pPr lvl="1"/>
             <a:r>
               <a:rPr lang="de-AT" dirty="0"/>
-              <a:t>o</a:t>
-            </a:r>
-            <a:r>
-              <a:rPr lang="de-AT" dirty="0" smtClean="0"/>
-              <a:t>b der Code verständlicher formuliert werden kann </a:t>
-            </a:r>
-          </a:p>
-          <a:p>
-            <a:endParaRPr lang="de-AT" dirty="0" smtClean="0"/>
+              <a:t>ob der Code verständlicher formuliert werden kann </a:t>
+            </a:r>
+          </a:p>
+          <a:p>
+            <a:endParaRPr lang="de-AT" dirty="0"/>
           </a:p>
         </p:txBody>
       </p:sp>
@@ -16801,7 +16036,7 @@
                 <a16:creationId xmlns:a16="http://schemas.microsoft.com/office/drawing/2014/main" id="{BE229233-9672-4675-99B7-6CBCEF1CD415}"/>
               </a:ext>
               <a:ext uri="{C183D7F6-B498-43B3-948B-1728B52AA6E4}">
-                <adec:decorative xmlns="" xmlns:adec="http://schemas.microsoft.com/office/drawing/2017/decorative" val="1"/>
+                <adec:decorative xmlns:adec="http://schemas.microsoft.com/office/drawing/2017/decorative" val="1"/>
               </a:ext>
             </a:extLst>
           </p:cNvPr>
@@ -16896,7 +16131,7 @@
                 <a16:creationId xmlns:a16="http://schemas.microsoft.com/office/drawing/2014/main" id="{EC5FF010-B53C-46BE-BEEF-AF926A00F67F}"/>
               </a:ext>
               <a:ext uri="{C183D7F6-B498-43B3-948B-1728B52AA6E4}">
-                <adec:decorative xmlns="" xmlns:adec="http://schemas.microsoft.com/office/drawing/2017/decorative" val="1"/>
+                <adec:decorative xmlns:adec="http://schemas.microsoft.com/office/drawing/2017/decorative" val="1"/>
               </a:ext>
             </a:extLst>
           </p:cNvPr>
@@ -16962,7 +16197,7 @@
                 <a16:creationId xmlns:a16="http://schemas.microsoft.com/office/drawing/2014/main" id="{8509AD9C-1F43-4138-A72B-8CA988EDD475}"/>
               </a:ext>
               <a:ext uri="{C183D7F6-B498-43B3-948B-1728B52AA6E4}">
-                <adec:decorative xmlns="" xmlns:adec="http://schemas.microsoft.com/office/drawing/2017/decorative" val="1"/>
+                <adec:decorative xmlns:adec="http://schemas.microsoft.com/office/drawing/2017/decorative" val="1"/>
               </a:ext>
             </a:extLst>
           </p:cNvPr>
@@ -17050,10 +16285,9 @@
           <a:p>
             <a:pPr algn="ctr"/>
             <a:r>
-              <a:rPr lang="de-AT" sz="3200" dirty="0" smtClean="0"/>
+              <a:rPr lang="de-AT" sz="3200" dirty="0"/>
               <a:t>Verzweigungen</a:t>
             </a:r>
-            <a:endParaRPr lang="de-AT" sz="3200" dirty="0"/>
           </a:p>
         </p:txBody>
       </p:sp>
@@ -17108,13 +16342,6 @@
   <p:clrMapOvr>
     <a:masterClrMapping/>
   </p:clrMapOvr>
-  <p:timing>
-    <p:tnLst>
-      <p:par>
-        <p:cTn id="1" dur="indefinite" restart="never" nodeType="tmRoot"/>
-      </p:par>
-    </p:tnLst>
-  </p:timing>
 </p:sld>
 </file>
 
@@ -17216,16 +16443,11 @@
               <a:rPr lang="de-DE" dirty="0"/>
               <a:t> (sonst) Konstrukte. </a:t>
             </a:r>
-            <a:endParaRPr lang="de-DE" dirty="0" smtClean="0"/>
-          </a:p>
-          <a:p>
-            <a:r>
-              <a:rPr lang="de-DE" dirty="0" smtClean="0"/>
-              <a:t>Auf </a:t>
-            </a:r>
-            <a:r>
-              <a:rPr lang="de-DE" dirty="0"/>
-              <a:t>das Schlüsselwort </a:t>
+          </a:p>
+          <a:p>
+            <a:r>
+              <a:rPr lang="de-DE" dirty="0"/>
+              <a:t>Auf das Schlüsselwort </a:t>
             </a:r>
             <a:r>
               <a:rPr lang="de-DE" dirty="0" err="1"/>
@@ -17243,7 +16465,6 @@
               <a:rPr lang="de-DE" dirty="0"/>
               <a:t>) in Geschwungenen Klammern { }, der nur dann ausgeführt wird, wenn die Bedingung erfüllt ist</a:t>
             </a:r>
-            <a:endParaRPr lang="de-DE" dirty="0" smtClean="0"/>
           </a:p>
         </p:txBody>
       </p:sp>
